--- a/doc/02_SlideShare/01.ネタ/２_Reactの基礎/2-5_React開発環境構築手順.pptx
+++ b/doc/02_SlideShare/01.ネタ/２_Reactの基礎/2-5_React開発環境構築手順.pptx
@@ -2872,15 +2872,19 @@
           <a:p>
             <a:r>
               <a:rPr kumimoji="1" lang="en-US" altLang="ja-JP" dirty="0" smtClean="0"/>
-              <a:t>2-5.React</a:t>
+              <a:t>2-5.</a:t>
+            </a:r>
+            <a:r>
+              <a:rPr lang="ja-JP" altLang="en-US" dirty="0"/>
+              <a:t> </a:t>
+            </a:r>
+            <a:r>
+              <a:rPr kumimoji="1" lang="en-US" altLang="ja-JP" dirty="0" smtClean="0"/>
+              <a:t>React</a:t>
             </a:r>
             <a:r>
               <a:rPr kumimoji="1" lang="ja-JP" altLang="en-US" dirty="0" smtClean="0"/>
-              <a:t>の開発環境</a:t>
-            </a:r>
-            <a:r>
-              <a:rPr kumimoji="1" lang="ja-JP" altLang="en-US" dirty="0" smtClean="0"/>
-              <a:t>構築手順 </a:t>
+              <a:t>の開発環境構築手順 </a:t>
             </a:r>
             <a:r>
               <a:rPr kumimoji="1" lang="en-US" altLang="ja-JP" dirty="0" smtClean="0"/>
@@ -3289,7 +3293,11 @@
           <a:p>
             <a:r>
               <a:rPr lang="en-US" altLang="ja-JP" dirty="0" smtClean="0"/>
-              <a:t>2-5.React</a:t>
+              <a:t>2-5</a:t>
+            </a:r>
+            <a:r>
+              <a:rPr lang="en-US" altLang="ja-JP" dirty="0" smtClean="0"/>
+              <a:t>. React</a:t>
             </a:r>
             <a:r>
               <a:rPr lang="ja-JP" altLang="en-US" dirty="0"/>
@@ -3586,7 +3594,11 @@
           <a:p>
             <a:r>
               <a:rPr lang="en-US" altLang="ja-JP" dirty="0" smtClean="0"/>
-              <a:t>2-5.React</a:t>
+              <a:t>2-5</a:t>
+            </a:r>
+            <a:r>
+              <a:rPr lang="en-US" altLang="ja-JP" dirty="0" smtClean="0"/>
+              <a:t>. React</a:t>
             </a:r>
             <a:r>
               <a:rPr lang="ja-JP" altLang="en-US" dirty="0"/>
@@ -4508,7 +4520,11 @@
           <a:p>
             <a:r>
               <a:rPr lang="en-US" altLang="ja-JP" dirty="0" smtClean="0"/>
-              <a:t>2-5.React</a:t>
+              <a:t>2-5</a:t>
+            </a:r>
+            <a:r>
+              <a:rPr lang="en-US" altLang="ja-JP" dirty="0" smtClean="0"/>
+              <a:t>. React</a:t>
             </a:r>
             <a:r>
               <a:rPr lang="ja-JP" altLang="en-US" dirty="0"/>
@@ -4524,11 +4540,7 @@
             </a:r>
             <a:r>
               <a:rPr lang="ja-JP" altLang="en-US" dirty="0" smtClean="0"/>
-              <a:t>モジュール</a:t>
-            </a:r>
-            <a:r>
-              <a:rPr lang="ja-JP" altLang="en-US" dirty="0" smtClean="0"/>
-              <a:t>の</a:t>
+              <a:t>モジュールの</a:t>
             </a:r>
             <a:r>
               <a:rPr lang="ja-JP" altLang="en-US" dirty="0"/>
@@ -5319,7 +5331,11 @@
           <a:p>
             <a:r>
               <a:rPr lang="en-US" altLang="ja-JP" dirty="0" smtClean="0"/>
-              <a:t>2-5.React</a:t>
+              <a:t>2-5</a:t>
+            </a:r>
+            <a:r>
+              <a:rPr lang="en-US" altLang="ja-JP" dirty="0" smtClean="0"/>
+              <a:t>. React</a:t>
             </a:r>
             <a:r>
               <a:rPr lang="ja-JP" altLang="en-US" dirty="0"/>
@@ -5335,11 +5351,7 @@
             </a:r>
             <a:r>
               <a:rPr lang="ja-JP" altLang="en-US" dirty="0" smtClean="0"/>
-              <a:t>プロジェクト</a:t>
-            </a:r>
-            <a:r>
-              <a:rPr lang="ja-JP" altLang="en-US" dirty="0" smtClean="0"/>
-              <a:t>の作成</a:t>
+              <a:t>プロジェクトの作成</a:t>
             </a:r>
             <a:endParaRPr kumimoji="1" lang="ja-JP" altLang="en-US" dirty="0"/>
           </a:p>
@@ -5399,7 +5411,11 @@
           <a:p>
             <a:r>
               <a:rPr lang="en-US" altLang="ja-JP" dirty="0" smtClean="0"/>
-              <a:t>2-5.React</a:t>
+              <a:t>2-5</a:t>
+            </a:r>
+            <a:r>
+              <a:rPr lang="en-US" altLang="ja-JP" dirty="0" smtClean="0"/>
+              <a:t>. React</a:t>
             </a:r>
             <a:r>
               <a:rPr lang="ja-JP" altLang="en-US" dirty="0"/>

--- a/doc/02_SlideShare/01.ネタ/２_Reactの基礎/2-5_React開発環境構築手順.pptx
+++ b/doc/02_SlideShare/01.ネタ/２_Reactの基礎/2-5_React開発環境構築手順.pptx
@@ -114,7 +114,7 @@
   </p:defaultTextStyle>
   <p:extLst>
     <p:ext uri="{EFAFB233-063F-42B5-8137-9DF3F51BA10A}">
-      <p15:sldGuideLst xmlns:p15="http://schemas.microsoft.com/office/powerpoint/2012/main">
+      <p15:sldGuideLst xmlns:p15="http://schemas.microsoft.com/office/powerpoint/2012/main" xmlns="">
         <p15:guide id="1" orient="horz" pos="2160">
           <p15:clr>
             <a:srgbClr val="A4A3A4"/>
@@ -128,7 +128,7 @@
       </p15:sldGuideLst>
     </p:ext>
     <p:ext uri="{2D200454-40CA-4A62-9FC3-DE9A4176ACB9}">
-      <p15:notesGuideLst xmlns:p15="http://schemas.microsoft.com/office/powerpoint/2012/main">
+      <p15:notesGuideLst xmlns:p15="http://schemas.microsoft.com/office/powerpoint/2012/main" xmlns="">
         <p15:guide id="1" orient="horz" pos="2880">
           <p15:clr>
             <a:srgbClr val="A4A3A4"/>
@@ -228,7 +228,7 @@
             <a:fld id="{CF62E18D-AE12-454F-A1D6-19B685DC3579}" type="datetimeFigureOut">
               <a:rPr kumimoji="1" lang="ja-JP" altLang="en-US" smtClean="0"/>
               <a:pPr/>
-              <a:t>2019/3/3</a:t>
+              <a:t>2019/3/5</a:t>
             </a:fld>
             <a:endParaRPr kumimoji="1" lang="ja-JP" altLang="en-US"/>
           </a:p>
@@ -420,7 +420,7 @@
             <a:fld id="{FEC95075-C5D4-44E1-9F90-434D96595172}" type="slidenum">
               <a:rPr kumimoji="1" lang="ja-JP" altLang="en-US" smtClean="0"/>
               <a:pPr/>
-              <a:t>‹#›</a:t>
+              <a:t>&lt;#&gt;</a:t>
             </a:fld>
             <a:endParaRPr kumimoji="1" lang="ja-JP" altLang="en-US"/>
           </a:p>
@@ -429,7 +429,7 @@
     </p:spTree>
     <p:extLst>
       <p:ext uri="{BB962C8B-B14F-4D97-AF65-F5344CB8AC3E}">
-        <p14:creationId xmlns:p14="http://schemas.microsoft.com/office/powerpoint/2010/main" val="2439157943"/>
+        <p14:creationId xmlns:p14="http://schemas.microsoft.com/office/powerpoint/2010/main" xmlns="" val="2439157943"/>
       </p:ext>
     </p:extLst>
   </p:cSld>
@@ -619,7 +619,7 @@
             <a:fld id="{2FA7D4A1-D6E2-4B97-8DF5-43A2A6E9364B}" type="datetimeFigureOut">
               <a:rPr kumimoji="1" lang="ja-JP" altLang="en-US" smtClean="0"/>
               <a:pPr/>
-              <a:t>2019/3/3</a:t>
+              <a:t>2019/3/5</a:t>
             </a:fld>
             <a:endParaRPr kumimoji="1" lang="ja-JP" altLang="en-US"/>
           </a:p>
@@ -662,7 +662,7 @@
             <a:fld id="{04C1A00E-05D2-4F1C-A9C7-4C332DD3ED03}" type="slidenum">
               <a:rPr kumimoji="1" lang="ja-JP" altLang="en-US" smtClean="0"/>
               <a:pPr/>
-              <a:t>‹#›</a:t>
+              <a:t>&lt;#&gt;</a:t>
             </a:fld>
             <a:endParaRPr kumimoji="1" lang="ja-JP" altLang="en-US"/>
           </a:p>
@@ -913,7 +913,7 @@
           <a:blip r:embed="rId2" cstate="print">
             <a:extLst>
               <a:ext uri="{28A0092B-C50C-407E-A947-70E740481C1C}">
-                <a14:useLocalDpi xmlns:a14="http://schemas.microsoft.com/office/drawing/2010/main" val="0"/>
+                <a14:useLocalDpi xmlns:a14="http://schemas.microsoft.com/office/drawing/2010/main" xmlns="" val="0"/>
               </a:ext>
             </a:extLst>
           </a:blip>
@@ -934,7 +934,7 @@
     </p:spTree>
     <p:extLst>
       <p:ext uri="{BB962C8B-B14F-4D97-AF65-F5344CB8AC3E}">
-        <p14:creationId xmlns:p14="http://schemas.microsoft.com/office/powerpoint/2010/main" val="2810891602"/>
+        <p14:creationId xmlns:p14="http://schemas.microsoft.com/office/powerpoint/2010/main" xmlns="" val="2810891602"/>
       </p:ext>
     </p:extLst>
   </p:cSld>
@@ -1089,7 +1089,7 @@
             <a:fld id="{2FA7D4A1-D6E2-4B97-8DF5-43A2A6E9364B}" type="datetimeFigureOut">
               <a:rPr kumimoji="1" lang="ja-JP" altLang="en-US" smtClean="0"/>
               <a:pPr/>
-              <a:t>2019/3/3</a:t>
+              <a:t>2019/3/5</a:t>
             </a:fld>
             <a:endParaRPr kumimoji="1" lang="ja-JP" altLang="en-US"/>
           </a:p>
@@ -1132,7 +1132,7 @@
             <a:fld id="{04C1A00E-05D2-4F1C-A9C7-4C332DD3ED03}" type="slidenum">
               <a:rPr kumimoji="1" lang="ja-JP" altLang="en-US" smtClean="0"/>
               <a:pPr/>
-              <a:t>‹#›</a:t>
+              <a:t>&lt;#&gt;</a:t>
             </a:fld>
             <a:endParaRPr kumimoji="1" lang="ja-JP" altLang="en-US"/>
           </a:p>
@@ -1277,7 +1277,7 @@
     </p:spTree>
     <p:extLst>
       <p:ext uri="{BB962C8B-B14F-4D97-AF65-F5344CB8AC3E}">
-        <p14:creationId xmlns:p14="http://schemas.microsoft.com/office/powerpoint/2010/main" val="3557137448"/>
+        <p14:creationId xmlns:p14="http://schemas.microsoft.com/office/powerpoint/2010/main" xmlns="" val="3557137448"/>
       </p:ext>
     </p:extLst>
   </p:cSld>
@@ -1520,7 +1520,7 @@
             <a:fld id="{2FA7D4A1-D6E2-4B97-8DF5-43A2A6E9364B}" type="datetimeFigureOut">
               <a:rPr kumimoji="1" lang="ja-JP" altLang="en-US" smtClean="0"/>
               <a:pPr/>
-              <a:t>2019/3/3</a:t>
+              <a:t>2019/3/5</a:t>
             </a:fld>
             <a:endParaRPr kumimoji="1" lang="ja-JP" altLang="en-US"/>
           </a:p>
@@ -1563,7 +1563,7 @@
             <a:fld id="{04C1A00E-05D2-4F1C-A9C7-4C332DD3ED03}" type="slidenum">
               <a:rPr kumimoji="1" lang="ja-JP" altLang="en-US" smtClean="0"/>
               <a:pPr/>
-              <a:t>‹#›</a:t>
+              <a:t>&lt;#&gt;</a:t>
             </a:fld>
             <a:endParaRPr kumimoji="1" lang="ja-JP" altLang="en-US"/>
           </a:p>
@@ -1572,7 +1572,7 @@
     </p:spTree>
     <p:extLst>
       <p:ext uri="{BB962C8B-B14F-4D97-AF65-F5344CB8AC3E}">
-        <p14:creationId xmlns:p14="http://schemas.microsoft.com/office/powerpoint/2010/main" val="3739881455"/>
+        <p14:creationId xmlns:p14="http://schemas.microsoft.com/office/powerpoint/2010/main" xmlns="" val="3739881455"/>
       </p:ext>
     </p:extLst>
   </p:cSld>
@@ -1639,7 +1639,7 @@
             <a:fld id="{2FA7D4A1-D6E2-4B97-8DF5-43A2A6E9364B}" type="datetimeFigureOut">
               <a:rPr kumimoji="1" lang="ja-JP" altLang="en-US" smtClean="0"/>
               <a:pPr/>
-              <a:t>2019/3/3</a:t>
+              <a:t>2019/3/5</a:t>
             </a:fld>
             <a:endParaRPr kumimoji="1" lang="ja-JP" altLang="en-US"/>
           </a:p>
@@ -1682,7 +1682,7 @@
             <a:fld id="{04C1A00E-05D2-4F1C-A9C7-4C332DD3ED03}" type="slidenum">
               <a:rPr kumimoji="1" lang="ja-JP" altLang="en-US" smtClean="0"/>
               <a:pPr/>
-              <a:t>‹#›</a:t>
+              <a:t>&lt;#&gt;</a:t>
             </a:fld>
             <a:endParaRPr kumimoji="1" lang="ja-JP" altLang="en-US"/>
           </a:p>
@@ -1797,7 +1797,7 @@
     </p:spTree>
     <p:extLst>
       <p:ext uri="{BB962C8B-B14F-4D97-AF65-F5344CB8AC3E}">
-        <p14:creationId xmlns:p14="http://schemas.microsoft.com/office/powerpoint/2010/main" val="2041532408"/>
+        <p14:creationId xmlns:p14="http://schemas.microsoft.com/office/powerpoint/2010/main" xmlns="" val="2041532408"/>
       </p:ext>
     </p:extLst>
   </p:cSld>
@@ -1864,7 +1864,7 @@
             <a:fld id="{2FA7D4A1-D6E2-4B97-8DF5-43A2A6E9364B}" type="datetimeFigureOut">
               <a:rPr kumimoji="1" lang="ja-JP" altLang="en-US" smtClean="0"/>
               <a:pPr/>
-              <a:t>2019/3/3</a:t>
+              <a:t>2019/3/5</a:t>
             </a:fld>
             <a:endParaRPr kumimoji="1" lang="ja-JP" altLang="en-US"/>
           </a:p>
@@ -1907,7 +1907,7 @@
             <a:fld id="{04C1A00E-05D2-4F1C-A9C7-4C332DD3ED03}" type="slidenum">
               <a:rPr kumimoji="1" lang="ja-JP" altLang="en-US" smtClean="0"/>
               <a:pPr/>
-              <a:t>‹#›</a:t>
+              <a:t>&lt;#&gt;</a:t>
             </a:fld>
             <a:endParaRPr kumimoji="1" lang="ja-JP" altLang="en-US"/>
           </a:p>
@@ -2042,7 +2042,7 @@
     </p:spTree>
     <p:extLst>
       <p:ext uri="{BB962C8B-B14F-4D97-AF65-F5344CB8AC3E}">
-        <p14:creationId xmlns:p14="http://schemas.microsoft.com/office/powerpoint/2010/main" val="1665381159"/>
+        <p14:creationId xmlns:p14="http://schemas.microsoft.com/office/powerpoint/2010/main" xmlns="" val="1665381159"/>
       </p:ext>
     </p:extLst>
   </p:cSld>
@@ -2094,7 +2094,7 @@
                 </a:solidFill>
               </a:rPr>
               <a:pPr/>
-              <a:t>3/3/2019</a:t>
+              <a:t>3/5/2019</a:t>
             </a:fld>
             <a:endParaRPr lang="en-US" dirty="0">
               <a:solidFill>
@@ -2157,7 +2157,7 @@
                 </a:solidFill>
               </a:rPr>
               <a:pPr/>
-              <a:t>‹#›</a:t>
+              <a:t>&lt;#&gt;</a:t>
             </a:fld>
             <a:endParaRPr lang="en-US" dirty="0">
               <a:solidFill>
@@ -2195,7 +2195,7 @@
     </p:spTree>
     <p:extLst>
       <p:ext uri="{BB962C8B-B14F-4D97-AF65-F5344CB8AC3E}">
-        <p14:creationId xmlns:p14="http://schemas.microsoft.com/office/powerpoint/2010/main" val="1283054366"/>
+        <p14:creationId xmlns:p14="http://schemas.microsoft.com/office/powerpoint/2010/main" xmlns="" val="1283054366"/>
       </p:ext>
     </p:extLst>
   </p:cSld>
@@ -2388,7 +2388,7 @@
             <a:fld id="{2FA7D4A1-D6E2-4B97-8DF5-43A2A6E9364B}" type="datetimeFigureOut">
               <a:rPr kumimoji="1" lang="ja-JP" altLang="en-US" smtClean="0"/>
               <a:pPr/>
-              <a:t>2019/3/3</a:t>
+              <a:t>2019/3/5</a:t>
             </a:fld>
             <a:endParaRPr kumimoji="1" lang="ja-JP" altLang="en-US"/>
           </a:p>
@@ -2467,7 +2467,7 @@
             <a:fld id="{04C1A00E-05D2-4F1C-A9C7-4C332DD3ED03}" type="slidenum">
               <a:rPr kumimoji="1" lang="ja-JP" altLang="en-US" smtClean="0"/>
               <a:pPr/>
-              <a:t>‹#›</a:t>
+              <a:t>&lt;#&gt;</a:t>
             </a:fld>
             <a:endParaRPr kumimoji="1" lang="ja-JP" altLang="en-US"/>
           </a:p>
@@ -2515,7 +2515,7 @@
           <a:blip r:embed="rId8" cstate="print">
             <a:extLst>
               <a:ext uri="{28A0092B-C50C-407E-A947-70E740481C1C}">
-                <a14:useLocalDpi xmlns:a14="http://schemas.microsoft.com/office/drawing/2010/main" val="0"/>
+                <a14:useLocalDpi xmlns:a14="http://schemas.microsoft.com/office/drawing/2010/main" xmlns="" val="0"/>
               </a:ext>
             </a:extLst>
           </a:blip>
@@ -2536,7 +2536,7 @@
     </p:spTree>
     <p:extLst>
       <p:ext uri="{BB962C8B-B14F-4D97-AF65-F5344CB8AC3E}">
-        <p14:creationId xmlns:p14="http://schemas.microsoft.com/office/powerpoint/2010/main" val="1816818280"/>
+        <p14:creationId xmlns:p14="http://schemas.microsoft.com/office/powerpoint/2010/main" xmlns="" val="1816818280"/>
       </p:ext>
     </p:extLst>
   </p:cSld>
@@ -2854,7 +2854,7 @@
           <p:cNvPr id="2" name="タイトル 1">
             <a:extLst>
               <a:ext uri="{FF2B5EF4-FFF2-40B4-BE49-F238E27FC236}">
-                <a16:creationId xmlns:a16="http://schemas.microsoft.com/office/drawing/2014/main" id="{CE9C4723-849E-4189-BCAE-2B79E708A85A}"/>
+                <a16:creationId xmlns:a16="http://schemas.microsoft.com/office/drawing/2014/main" xmlns="" id="{CE9C4723-849E-4189-BCAE-2B79E708A85A}"/>
               </a:ext>
             </a:extLst>
           </p:cNvPr>
@@ -2903,7 +2903,7 @@
           <p:cNvPr id="4" name="コンテンツ プレースホルダー 3">
             <a:extLst>
               <a:ext uri="{FF2B5EF4-FFF2-40B4-BE49-F238E27FC236}">
-                <a16:creationId xmlns:a16="http://schemas.microsoft.com/office/drawing/2014/main" id="{5D7B870A-EE38-4390-92D0-2B9EE583F7F4}"/>
+                <a16:creationId xmlns:a16="http://schemas.microsoft.com/office/drawing/2014/main" xmlns="" id="{5D7B870A-EE38-4390-92D0-2B9EE583F7F4}"/>
               </a:ext>
             </a:extLst>
           </p:cNvPr>
@@ -2916,8 +2916,8 @@
         </p:nvSpPr>
         <p:spPr>
           <a:xfrm>
-            <a:off x="423486" y="1318415"/>
-            <a:ext cx="11379201" cy="1547615"/>
+            <a:off x="423486" y="1177734"/>
+            <a:ext cx="11379201" cy="3731887"/>
           </a:xfrm>
         </p:spPr>
         <p:txBody>
@@ -2927,32 +2927,33 @@
           <a:lstStyle/>
           <a:p>
             <a:pPr marL="0" indent="0">
-              <a:buNone/>
+              <a:buFont typeface="Wingdings" pitchFamily="2" charset="2"/>
+              <a:buChar char="l"/>
             </a:pPr>
             <a:r>
-              <a:rPr lang="en-US" altLang="ja-JP" sz="2400" dirty="0" smtClean="0"/>
+              <a:rPr lang="en-US" altLang="ja-JP" sz="1800" dirty="0" smtClean="0"/>
               <a:t>Node.js</a:t>
             </a:r>
             <a:r>
-              <a:rPr lang="ja-JP" altLang="en-US" sz="2400" dirty="0" smtClean="0"/>
+              <a:rPr lang="ja-JP" altLang="en-US" sz="1800" dirty="0" smtClean="0"/>
               <a:t>とは</a:t>
             </a:r>
-            <a:endParaRPr lang="en-US" altLang="ja-JP" sz="2400" dirty="0" smtClean="0"/>
+            <a:endParaRPr lang="en-US" altLang="ja-JP" sz="1800" dirty="0" smtClean="0"/>
           </a:p>
           <a:p>
             <a:pPr marL="0" indent="0">
               <a:buNone/>
             </a:pPr>
             <a:r>
-              <a:rPr kumimoji="1" lang="ja-JP" altLang="en-US" sz="2400" dirty="0" smtClean="0"/>
-              <a:t>・</a:t>
-            </a:r>
-            <a:r>
-              <a:rPr lang="ja-JP" altLang="en-US" sz="2400" dirty="0" smtClean="0"/>
+              <a:rPr kumimoji="1" lang="ja-JP" altLang="en-US" sz="1800" dirty="0" smtClean="0"/>
+              <a:t>　・</a:t>
+            </a:r>
+            <a:r>
+              <a:rPr lang="ja-JP" altLang="en-US" sz="1800" dirty="0" smtClean="0"/>
               <a:t>サーバーサイドで動く</a:t>
             </a:r>
             <a:r>
-              <a:rPr lang="en-US" altLang="ja-JP" sz="2400" dirty="0" smtClean="0"/>
+              <a:rPr lang="en-US" altLang="ja-JP" sz="1800" dirty="0" smtClean="0"/>
               <a:t>JavaScript</a:t>
             </a:r>
           </a:p>
@@ -2961,103 +2962,119 @@
               <a:buNone/>
             </a:pPr>
             <a:r>
-              <a:rPr lang="ja-JP" altLang="en-US" sz="2400" dirty="0" smtClean="0"/>
-              <a:t>・「</a:t>
-            </a:r>
-            <a:r>
-              <a:rPr lang="en-US" altLang="ja-JP" sz="2400" dirty="0" err="1" smtClean="0"/>
+              <a:rPr lang="ja-JP" altLang="en-US" sz="1800" dirty="0" smtClean="0"/>
+              <a:t>　・</a:t>
+            </a:r>
+            <a:r>
+              <a:rPr lang="ja-JP" altLang="en-US" sz="1800" dirty="0" smtClean="0"/>
+              <a:t>「</a:t>
+            </a:r>
+            <a:r>
+              <a:rPr lang="en-US" altLang="ja-JP" sz="1800" dirty="0" err="1" smtClean="0"/>
               <a:t>npm</a:t>
             </a:r>
             <a:r>
-              <a:rPr lang="ja-JP" altLang="en-US" sz="2400" dirty="0" smtClean="0"/>
+              <a:rPr lang="ja-JP" altLang="en-US" sz="1800" dirty="0" smtClean="0"/>
               <a:t>」という</a:t>
             </a:r>
             <a:r>
-              <a:rPr lang="en-US" altLang="ja-JP" sz="2400" dirty="0" smtClean="0"/>
+              <a:rPr lang="en-US" altLang="ja-JP" sz="1800" dirty="0" smtClean="0"/>
               <a:t>Node.js</a:t>
             </a:r>
             <a:r>
-              <a:rPr lang="ja-JP" altLang="en-US" sz="2400" dirty="0" smtClean="0"/>
-              <a:t>のパッケージを管理するツールがある</a:t>
-            </a:r>
-            <a:endParaRPr kumimoji="1" lang="en-US" altLang="ja-JP" sz="2400" dirty="0" smtClean="0"/>
-          </a:p>
-        </p:txBody>
-      </p:sp>
-      <p:sp>
-        <p:nvSpPr>
-          <p:cNvPr id="5" name="コンテンツ プレースホルダー 3">
-            <a:extLst>
-              <a:ext uri="{FF2B5EF4-FFF2-40B4-BE49-F238E27FC236}">
-                <a16:creationId xmlns:a16="http://schemas.microsoft.com/office/drawing/2014/main" id="{5D7B870A-EE38-4390-92D0-2B9EE583F7F4}"/>
-              </a:ext>
-            </a:extLst>
-          </p:cNvPr>
-          <p:cNvSpPr>
-            <a:spLocks noGrp="1"/>
-          </p:cNvSpPr>
-          <p:nvPr>
-            <p:ph sz="quarter" idx="13"/>
-          </p:nvPr>
-        </p:nvSpPr>
-        <p:spPr>
-          <a:xfrm>
-            <a:off x="431799" y="3179887"/>
-            <a:ext cx="11377816" cy="1938024"/>
-          </a:xfrm>
-        </p:spPr>
-        <p:txBody>
-          <a:bodyPr>
-            <a:normAutofit/>
-          </a:bodyPr>
-          <a:lstStyle/>
+              <a:rPr lang="ja-JP" altLang="en-US" sz="1800" dirty="0" smtClean="0"/>
+              <a:t>のパッケージを管理するツールが</a:t>
+            </a:r>
+            <a:r>
+              <a:rPr lang="ja-JP" altLang="en-US" sz="1800" dirty="0" smtClean="0"/>
+              <a:t>あります。</a:t>
+            </a:r>
+            <a:endParaRPr lang="en-US" altLang="ja-JP" sz="1800" dirty="0" smtClean="0"/>
+          </a:p>
           <a:p>
             <a:pPr marL="0" indent="0">
               <a:buNone/>
             </a:pPr>
-            <a:r>
-              <a:rPr lang="ja-JP" altLang="en-US" sz="2400" dirty="0" smtClean="0"/>
+            <a:endParaRPr kumimoji="1" lang="en-US" altLang="ja-JP" sz="1800" dirty="0" smtClean="0"/>
+          </a:p>
+          <a:p>
+            <a:pPr marL="0" indent="0">
+              <a:buFont typeface="Wingdings" pitchFamily="2" charset="2"/>
+              <a:buChar char="l"/>
+            </a:pPr>
+            <a:r>
+              <a:rPr lang="ja-JP" altLang="en-US" sz="1800" dirty="0" smtClean="0"/>
               <a:t>特徴</a:t>
             </a:r>
-            <a:endParaRPr lang="en-US" altLang="ja-JP" sz="2400" dirty="0" smtClean="0"/>
+            <a:endParaRPr lang="en-US" altLang="ja-JP" sz="1800" dirty="0" smtClean="0"/>
           </a:p>
           <a:p>
             <a:pPr marL="0" indent="0">
               <a:buNone/>
             </a:pPr>
             <a:r>
-              <a:rPr lang="ja-JP" altLang="en-US" sz="2400" dirty="0" smtClean="0"/>
-              <a:t>・非同期処理のため、</a:t>
-            </a:r>
-            <a:r>
-              <a:rPr lang="en-US" altLang="ja-JP" sz="2400" dirty="0" smtClean="0"/>
+              <a:rPr lang="ja-JP" altLang="en-US" sz="1800" dirty="0" smtClean="0"/>
+              <a:t>　・</a:t>
+            </a:r>
+            <a:r>
+              <a:rPr lang="ja-JP" altLang="en-US" sz="1800" dirty="0" smtClean="0"/>
+              <a:t>非同期処理のため、</a:t>
+            </a:r>
+            <a:r>
+              <a:rPr lang="en-US" altLang="ja-JP" sz="1800" dirty="0" smtClean="0"/>
               <a:t>I/O</a:t>
             </a:r>
             <a:r>
-              <a:rPr lang="ja-JP" altLang="en-US" sz="2400" dirty="0" smtClean="0"/>
-              <a:t>の処理結果を待たずに処理を進めることができる</a:t>
-            </a:r>
-            <a:endParaRPr lang="en-US" altLang="ja-JP" sz="2400" dirty="0" smtClean="0"/>
+              <a:rPr lang="ja-JP" altLang="en-US" sz="1800" dirty="0" smtClean="0"/>
+              <a:t>の処理結果を待たずに処理を進めることが</a:t>
+            </a:r>
+            <a:r>
+              <a:rPr lang="ja-JP" altLang="en-US" sz="1800" dirty="0" smtClean="0"/>
+              <a:t>できます。</a:t>
+            </a:r>
+            <a:endParaRPr lang="en-US" altLang="ja-JP" sz="1800" dirty="0" smtClean="0"/>
           </a:p>
           <a:p>
             <a:pPr marL="0" indent="0">
               <a:buNone/>
             </a:pPr>
             <a:r>
-              <a:rPr lang="ja-JP" altLang="en-US" sz="2400" dirty="0" smtClean="0"/>
-              <a:t>・シングルスレッドのため、メモリ消費が少なく、切替が少ないので速い</a:t>
-            </a:r>
-            <a:endParaRPr lang="en-US" altLang="ja-JP" sz="2400" dirty="0" smtClean="0"/>
+              <a:rPr lang="ja-JP" altLang="en-US" sz="1800" dirty="0" smtClean="0"/>
+              <a:t>　・</a:t>
+            </a:r>
+            <a:r>
+              <a:rPr lang="ja-JP" altLang="en-US" sz="1800" dirty="0" smtClean="0"/>
+              <a:t>シングルスレッドのため、メモリ消費が少なく、切替が</a:t>
+            </a:r>
+            <a:r>
+              <a:rPr lang="ja-JP" altLang="en-US" sz="1800" smtClean="0"/>
+              <a:t>少ない</a:t>
+            </a:r>
+            <a:r>
+              <a:rPr lang="ja-JP" altLang="en-US" sz="1800" smtClean="0"/>
+              <a:t>ので処理が速い</a:t>
+            </a:r>
+            <a:r>
+              <a:rPr lang="ja-JP" altLang="en-US" sz="1800" dirty="0" smtClean="0"/>
+              <a:t>です。</a:t>
+            </a:r>
+            <a:endParaRPr lang="en-US" altLang="ja-JP" sz="1800" dirty="0" smtClean="0"/>
           </a:p>
           <a:p>
             <a:pPr marL="0" indent="0">
               <a:buNone/>
             </a:pPr>
             <a:r>
-              <a:rPr lang="ja-JP" altLang="en-US" sz="2400" dirty="0"/>
-              <a:t>など</a:t>
-            </a:r>
-            <a:endParaRPr lang="en-US" altLang="ja-JP" sz="2400" dirty="0" smtClean="0"/>
+              <a:rPr lang="ja-JP" altLang="en-US" sz="1800" dirty="0" smtClean="0"/>
+              <a:t>　　など</a:t>
+            </a:r>
+            <a:endParaRPr lang="en-US" altLang="ja-JP" sz="1800" dirty="0" smtClean="0"/>
+          </a:p>
+          <a:p>
+            <a:pPr marL="0" indent="0">
+              <a:buNone/>
+            </a:pPr>
+            <a:endParaRPr kumimoji="1" lang="en-US" altLang="ja-JP" sz="1800" dirty="0" smtClean="0"/>
           </a:p>
         </p:txBody>
       </p:sp>
@@ -3071,7 +3088,7 @@
         </p:nvSpPr>
         <p:spPr>
           <a:xfrm>
-            <a:off x="431799" y="5284095"/>
+            <a:off x="403664" y="5044944"/>
             <a:ext cx="11379201" cy="1221078"/>
           </a:xfrm>
           <a:prstGeom prst="rect">
@@ -3187,56 +3204,68 @@
             </a:lvl9pPr>
           </a:lstStyle>
           <a:p>
-            <a:r>
-              <a:rPr lang="ja-JP" altLang="en-US" sz="2400" dirty="0" smtClean="0"/>
-              <a:t>前準備</a:t>
-            </a:r>
-            <a:endParaRPr lang="en-US" altLang="ja-JP" sz="2400" dirty="0" smtClean="0"/>
-          </a:p>
-          <a:p>
-            <a:r>
-              <a:rPr lang="ja-JP" altLang="en-US" sz="2400" dirty="0"/>
+            <a:pPr>
+              <a:buFont typeface="Wingdings" pitchFamily="2" charset="2"/>
+              <a:buChar char="l"/>
+            </a:pPr>
+            <a:r>
+              <a:rPr lang="ja-JP" altLang="en-US" dirty="0" smtClean="0"/>
+              <a:t>前提</a:t>
+            </a:r>
+            <a:endParaRPr lang="en-US" altLang="ja-JP" dirty="0" smtClean="0"/>
+          </a:p>
+          <a:p>
+            <a:r>
+              <a:rPr lang="ja-JP" altLang="en-US" dirty="0"/>
               <a:t>　</a:t>
             </a:r>
             <a:r>
-              <a:rPr lang="ja-JP" altLang="en-US" sz="2400" dirty="0" smtClean="0"/>
+              <a:rPr lang="ja-JP" altLang="en-US" dirty="0" smtClean="0"/>
               <a:t>・</a:t>
             </a:r>
             <a:r>
-              <a:rPr lang="en-US" altLang="ja-JP" sz="2400" dirty="0" smtClean="0"/>
+              <a:rPr lang="en-US" altLang="ja-JP" dirty="0" smtClean="0"/>
               <a:t>Windows</a:t>
             </a:r>
             <a:r>
-              <a:rPr lang="ja-JP" altLang="en-US" sz="2400" dirty="0" smtClean="0"/>
-              <a:t>環境であること</a:t>
-            </a:r>
-            <a:endParaRPr lang="en-US" altLang="ja-JP" sz="2400" dirty="0" smtClean="0"/>
-          </a:p>
-          <a:p>
-            <a:r>
-              <a:rPr lang="ja-JP" altLang="en-US" sz="2400" dirty="0"/>
+              <a:rPr lang="ja-JP" altLang="en-US" dirty="0" smtClean="0"/>
+              <a:t>環境である</a:t>
+            </a:r>
+            <a:r>
+              <a:rPr lang="ja-JP" altLang="en-US" dirty="0" smtClean="0"/>
+              <a:t>こと。</a:t>
+            </a:r>
+            <a:endParaRPr lang="en-US" altLang="ja-JP" dirty="0" smtClean="0"/>
+          </a:p>
+          <a:p>
+            <a:r>
+              <a:rPr lang="ja-JP" altLang="en-US" dirty="0"/>
               <a:t>　</a:t>
             </a:r>
             <a:r>
-              <a:rPr lang="ja-JP" altLang="en-US" sz="2400" dirty="0" smtClean="0"/>
+              <a:rPr lang="ja-JP" altLang="en-US" dirty="0" smtClean="0"/>
               <a:t>・</a:t>
             </a:r>
             <a:r>
-              <a:rPr lang="en-US" altLang="ja-JP" sz="2400" dirty="0" smtClean="0"/>
+              <a:rPr lang="en-US" altLang="ja-JP" dirty="0" smtClean="0"/>
               <a:t>JDK</a:t>
             </a:r>
             <a:r>
-              <a:rPr lang="ja-JP" altLang="en-US" sz="2400" dirty="0" smtClean="0"/>
-              <a:t>が導入済みであること</a:t>
-            </a:r>
-            <a:endParaRPr lang="en-US" altLang="ja-JP" sz="2400" dirty="0"/>
+              <a:rPr lang="ja-JP" altLang="en-US" dirty="0" smtClean="0"/>
+              <a:t>が導入済みである</a:t>
+            </a:r>
+            <a:r>
+              <a:rPr lang="ja-JP" altLang="en-US" dirty="0" smtClean="0"/>
+              <a:t>こと。</a:t>
+            </a:r>
+            <a:endParaRPr lang="en-US" altLang="ja-JP" dirty="0"/>
           </a:p>
         </p:txBody>
       </p:sp>
     </p:spTree>
     <p:extLst>
       <p:ext uri="{BB962C8B-B14F-4D97-AF65-F5344CB8AC3E}">
-        <p14:creationId xmlns:p14="http://schemas.microsoft.com/office/powerpoint/2010/main" val="2515407400"/>
+        <p14:creationId xmlns:p14="http://schemas.microsoft.com/office/powerpoint/2010/main" xmlns="" val="2515407400"/>
       </p:ext>
     </p:extLst>
   </p:cSld>
@@ -3275,7 +3304,7 @@
           <p:cNvPr id="2" name="タイトル 1">
             <a:extLst>
               <a:ext uri="{FF2B5EF4-FFF2-40B4-BE49-F238E27FC236}">
-                <a16:creationId xmlns:a16="http://schemas.microsoft.com/office/drawing/2014/main" id="{CE9C4723-849E-4189-BCAE-2B79E708A85A}"/>
+                <a16:creationId xmlns:a16="http://schemas.microsoft.com/office/drawing/2014/main" xmlns="" id="{CE9C4723-849E-4189-BCAE-2B79E708A85A}"/>
               </a:ext>
             </a:extLst>
           </p:cNvPr>
@@ -3293,11 +3322,7 @@
           <a:p>
             <a:r>
               <a:rPr lang="en-US" altLang="ja-JP" dirty="0" smtClean="0"/>
-              <a:t>2-5</a:t>
-            </a:r>
-            <a:r>
-              <a:rPr lang="en-US" altLang="ja-JP" dirty="0" smtClean="0"/>
-              <a:t>. React</a:t>
+              <a:t>2-5. React</a:t>
             </a:r>
             <a:r>
               <a:rPr lang="ja-JP" altLang="en-US" dirty="0"/>
@@ -3324,7 +3349,7 @@
           <p:cNvPr id="4" name="コンテンツ プレースホルダー 3">
             <a:extLst>
               <a:ext uri="{FF2B5EF4-FFF2-40B4-BE49-F238E27FC236}">
-                <a16:creationId xmlns:a16="http://schemas.microsoft.com/office/drawing/2014/main" id="{5D7B870A-EE38-4390-92D0-2B9EE583F7F4}"/>
+                <a16:creationId xmlns:a16="http://schemas.microsoft.com/office/drawing/2014/main" xmlns="" id="{5D7B870A-EE38-4390-92D0-2B9EE583F7F4}"/>
               </a:ext>
             </a:extLst>
           </p:cNvPr>
@@ -3337,54 +3362,109 @@
         </p:nvSpPr>
         <p:spPr>
           <a:xfrm>
-            <a:off x="440112" y="1251914"/>
-            <a:ext cx="11379201" cy="1632602"/>
+            <a:off x="440112" y="1251913"/>
+            <a:ext cx="11379201" cy="1814843"/>
           </a:xfrm>
         </p:spPr>
         <p:txBody>
           <a:bodyPr>
-            <a:normAutofit/>
+            <a:noAutofit/>
           </a:bodyPr>
           <a:lstStyle/>
+          <a:p>
+            <a:pPr marL="0" indent="0">
+              <a:buFont typeface="Wingdings" pitchFamily="2" charset="2"/>
+              <a:buChar char="l"/>
+            </a:pPr>
+            <a:r>
+              <a:rPr lang="ja-JP" altLang="en-US" sz="1800" dirty="0" smtClean="0"/>
+              <a:t>以下</a:t>
+            </a:r>
+            <a:r>
+              <a:rPr lang="ja-JP" altLang="en-US" sz="1800" dirty="0"/>
+              <a:t>のサイト</a:t>
+            </a:r>
+            <a:r>
+              <a:rPr lang="ja-JP" altLang="en-US" sz="1800" dirty="0" smtClean="0"/>
+              <a:t>より</a:t>
+            </a:r>
+            <a:r>
+              <a:rPr lang="en-US" altLang="ja-JP" sz="1800" dirty="0" smtClean="0"/>
+              <a:t>Node.js</a:t>
+            </a:r>
+            <a:r>
+              <a:rPr lang="ja-JP" altLang="en-US" sz="1800" dirty="0" smtClean="0"/>
+              <a:t>の</a:t>
+            </a:r>
+            <a:r>
+              <a:rPr lang="ja-JP" altLang="en-US" sz="1800" dirty="0" smtClean="0"/>
+              <a:t>インストーラを任意のフォルダにダウンロードします。</a:t>
+            </a:r>
+            <a:endParaRPr lang="en-US" altLang="ja-JP" sz="1800" dirty="0"/>
+          </a:p>
           <a:p>
             <a:pPr marL="0" indent="0">
               <a:buNone/>
             </a:pPr>
             <a:r>
-              <a:rPr lang="en-US" altLang="ja-JP" sz="2800" dirty="0" smtClean="0"/>
-              <a:t>Node.js</a:t>
-            </a:r>
-            <a:r>
-              <a:rPr lang="ja-JP" altLang="en-US" sz="2800" dirty="0" smtClean="0"/>
-              <a:t>のインストール</a:t>
-            </a:r>
-            <a:endParaRPr lang="en-US" altLang="ja-JP" sz="2800" dirty="0" smtClean="0"/>
+              <a:rPr lang="ja-JP" altLang="en-US" sz="1800" dirty="0" smtClean="0"/>
+              <a:t>　</a:t>
+            </a:r>
+            <a:r>
+              <a:rPr lang="ja-JP" altLang="en-US" sz="1800" dirty="0" smtClean="0"/>
+              <a:t>　</a:t>
+            </a:r>
+            <a:r>
+              <a:rPr lang="en-US" altLang="ja-JP" sz="1800" dirty="0" smtClean="0"/>
+              <a:t>https</a:t>
+            </a:r>
+            <a:r>
+              <a:rPr lang="en-US" altLang="ja-JP" sz="1800" dirty="0"/>
+              <a:t>://nodejs.org/en/download/</a:t>
+            </a:r>
+            <a:endParaRPr lang="ja-JP" altLang="en-US" sz="1800" dirty="0"/>
           </a:p>
           <a:p>
             <a:pPr marL="0" indent="0">
               <a:buNone/>
             </a:pPr>
-            <a:r>
-              <a:rPr lang="ja-JP" altLang="en-US" sz="2800" dirty="0"/>
-              <a:t>以下のサイトよりインストーラをダウンロードする。</a:t>
-            </a:r>
-            <a:endParaRPr lang="en-US" altLang="ja-JP" sz="2800" dirty="0"/>
+            <a:endParaRPr lang="en-US" altLang="ja-JP" sz="1800" dirty="0" smtClean="0"/>
           </a:p>
           <a:p>
             <a:pPr marL="0" indent="0">
               <a:buNone/>
             </a:pPr>
             <a:r>
-              <a:rPr lang="en-US" altLang="ja-JP" sz="2800" dirty="0"/>
-              <a:t>https://nodejs.org/en/download/</a:t>
-            </a:r>
-            <a:endParaRPr lang="ja-JP" altLang="en-US" sz="2800" dirty="0"/>
+              <a:rPr lang="ja-JP" altLang="en-US" sz="1800" dirty="0" smtClean="0"/>
+              <a:t>ダウンロード完了後</a:t>
+            </a:r>
+            <a:r>
+              <a:rPr lang="ja-JP" altLang="en-US" sz="1800" dirty="0" smtClean="0"/>
+              <a:t>、インストーラを起動し、</a:t>
+            </a:r>
+            <a:r>
+              <a:rPr lang="ja-JP" altLang="en-US" sz="1800" dirty="0" smtClean="0"/>
+              <a:t>選択肢はデフォルトのまま、「</a:t>
+            </a:r>
+            <a:r>
+              <a:rPr lang="en-US" altLang="ja-JP" sz="1800" dirty="0" smtClean="0"/>
+              <a:t>Next</a:t>
+            </a:r>
+            <a:r>
+              <a:rPr lang="ja-JP" altLang="en-US" sz="1800" dirty="0" smtClean="0"/>
+              <a:t>」ボタン</a:t>
+            </a:r>
+            <a:r>
+              <a:rPr lang="ja-JP" altLang="en-US" sz="1800" dirty="0" smtClean="0"/>
+              <a:t>を押下していくことでインストールが完了します。</a:t>
+            </a:r>
+            <a:endParaRPr lang="ja-JP" altLang="en-US" sz="1800" dirty="0" smtClean="0"/>
           </a:p>
           <a:p>
             <a:pPr marL="0" indent="0">
               <a:buNone/>
             </a:pPr>
-            <a:endParaRPr lang="en-US" altLang="ja-JP" sz="2800" dirty="0" smtClean="0"/>
+            <a:endParaRPr lang="en-US" altLang="ja-JP" sz="1800" dirty="0" smtClean="0"/>
           </a:p>
         </p:txBody>
       </p:sp>
@@ -3404,7 +3484,7 @@
         </p:blipFill>
         <p:spPr>
           <a:xfrm>
-            <a:off x="441941" y="3158836"/>
+            <a:off x="2636549" y="3158836"/>
             <a:ext cx="7325532" cy="3334414"/>
           </a:xfrm>
           <a:prstGeom prst="rect">
@@ -3425,14 +3505,18 @@
         </p:nvSpPr>
         <p:spPr>
           <a:xfrm>
-            <a:off x="1382872" y="5075220"/>
-            <a:ext cx="1859796" cy="861618"/>
+            <a:off x="3633751" y="5247249"/>
+            <a:ext cx="1768291" cy="661182"/>
           </a:xfrm>
           <a:prstGeom prst="rect">
             <a:avLst/>
           </a:prstGeom>
           <a:noFill/>
-          <a:ln w="28575"/>
+          <a:ln w="28575">
+            <a:solidFill>
+              <a:srgbClr val="FF0000"/>
+            </a:solidFill>
+          </a:ln>
         </p:spPr>
         <p:style>
           <a:lnRef idx="2">
@@ -3469,7 +3553,7 @@
           <a:blip r:embed="rId3" cstate="print">
             <a:extLst>
               <a:ext uri="{28A0092B-C50C-407E-A947-70E740481C1C}">
-                <a14:useLocalDpi xmlns:a14="http://schemas.microsoft.com/office/drawing/2010/main" val="0"/>
+                <a14:useLocalDpi xmlns:a14="http://schemas.microsoft.com/office/drawing/2010/main" xmlns="" val="0"/>
               </a:ext>
             </a:extLst>
           </a:blip>
@@ -3479,7 +3563,7 @@
         </p:blipFill>
         <p:spPr>
           <a:xfrm>
-            <a:off x="2921572" y="5609412"/>
+            <a:off x="5017706" y="5567209"/>
             <a:ext cx="604434" cy="604434"/>
           </a:xfrm>
           <a:prstGeom prst="rect">
@@ -3487,63 +3571,10 @@
           </a:prstGeom>
         </p:spPr>
       </p:pic>
-      <p:sp>
-        <p:nvSpPr>
-          <p:cNvPr id="8" name="コンテンツ プレースホルダー 3">
-            <a:extLst>
-              <a:ext uri="{FF2B5EF4-FFF2-40B4-BE49-F238E27FC236}">
-                <a16:creationId xmlns:a16="http://schemas.microsoft.com/office/drawing/2014/main" id="{5D7B870A-EE38-4390-92D0-2B9EE583F7F4}"/>
-              </a:ext>
-            </a:extLst>
-          </p:cNvPr>
-          <p:cNvSpPr>
-            <a:spLocks noGrp="1"/>
-          </p:cNvSpPr>
-          <p:nvPr>
-            <p:ph sz="quarter" idx="13"/>
-          </p:nvPr>
-        </p:nvSpPr>
-        <p:spPr>
-          <a:xfrm>
-            <a:off x="7946967" y="5163213"/>
-            <a:ext cx="3840924" cy="1330037"/>
-          </a:xfrm>
-        </p:spPr>
-        <p:txBody>
-          <a:bodyPr>
-            <a:normAutofit/>
-          </a:bodyPr>
-          <a:lstStyle/>
-          <a:p>
-            <a:pPr marL="0" indent="0">
-              <a:buNone/>
-            </a:pPr>
-            <a:r>
-              <a:rPr lang="ja-JP" altLang="en-US" dirty="0" smtClean="0"/>
-              <a:t>ダウンロード完了後、一般的なインストーラが起動されるので、選択肢はデフォルトのまま、「</a:t>
-            </a:r>
-            <a:r>
-              <a:rPr lang="en-US" altLang="ja-JP" dirty="0" smtClean="0"/>
-              <a:t>Next</a:t>
-            </a:r>
-            <a:r>
-              <a:rPr lang="ja-JP" altLang="en-US" dirty="0" smtClean="0"/>
-              <a:t>」ボタンを押していけばインストールできます。</a:t>
-            </a:r>
-            <a:endParaRPr lang="ja-JP" altLang="en-US" dirty="0"/>
-          </a:p>
-          <a:p>
-            <a:pPr marL="0" indent="0">
-              <a:buNone/>
-            </a:pPr>
-            <a:endParaRPr lang="en-US" altLang="ja-JP" sz="2800" dirty="0" smtClean="0"/>
-          </a:p>
-        </p:txBody>
-      </p:sp>
     </p:spTree>
     <p:extLst>
       <p:ext uri="{BB962C8B-B14F-4D97-AF65-F5344CB8AC3E}">
-        <p14:creationId xmlns:p14="http://schemas.microsoft.com/office/powerpoint/2010/main" val="3378696322"/>
+        <p14:creationId xmlns:p14="http://schemas.microsoft.com/office/powerpoint/2010/main" xmlns="" val="3378696322"/>
       </p:ext>
     </p:extLst>
   </p:cSld>
@@ -3594,11 +3625,7 @@
           <a:p>
             <a:r>
               <a:rPr lang="en-US" altLang="ja-JP" dirty="0" smtClean="0"/>
-              <a:t>2-5</a:t>
-            </a:r>
-            <a:r>
-              <a:rPr lang="en-US" altLang="ja-JP" dirty="0" smtClean="0"/>
-              <a:t>. React</a:t>
+              <a:t>2-5. React</a:t>
             </a:r>
             <a:r>
               <a:rPr lang="ja-JP" altLang="en-US" dirty="0"/>
@@ -3637,81 +3664,32 @@
           </a:xfrm>
         </p:spPr>
         <p:txBody>
-          <a:bodyPr/>
+          <a:bodyPr>
+            <a:normAutofit/>
+          </a:bodyPr>
           <a:lstStyle/>
           <a:p>
             <a:pPr marL="0" indent="0">
-              <a:buNone/>
+              <a:buFont typeface="Wingdings" pitchFamily="2" charset="2"/>
+              <a:buChar char="l"/>
             </a:pPr>
             <a:r>
-              <a:rPr kumimoji="1" lang="ja-JP" altLang="en-US" dirty="0" smtClean="0"/>
-              <a:t>コマンドプロンプトで下記コマンドを入力し、インストールされたバージョンが出力されるか確認</a:t>
-            </a:r>
-            <a:endParaRPr kumimoji="1" lang="en-US" altLang="ja-JP" dirty="0" smtClean="0"/>
-          </a:p>
-        </p:txBody>
-      </p:sp>
-      <p:pic>
-        <p:nvPicPr>
-          <p:cNvPr id="5" name="図 4"/>
-          <p:cNvPicPr>
-            <a:picLocks noChangeAspect="1"/>
-          </p:cNvPicPr>
-          <p:nvPr/>
-        </p:nvPicPr>
-        <p:blipFill>
-          <a:blip r:embed="rId2" cstate="print"/>
-          <a:stretch>
-            <a:fillRect/>
-          </a:stretch>
-        </p:blipFill>
-        <p:spPr>
-          <a:xfrm>
-            <a:off x="422216" y="3080387"/>
-            <a:ext cx="5489120" cy="3121582"/>
-          </a:xfrm>
-          <a:prstGeom prst="rect">
-            <a:avLst/>
-          </a:prstGeom>
-        </p:spPr>
-      </p:pic>
-      <p:sp>
-        <p:nvSpPr>
-          <p:cNvPr id="6" name="正方形/長方形 5"/>
-          <p:cNvSpPr/>
-          <p:nvPr/>
-        </p:nvSpPr>
-        <p:spPr>
-          <a:xfrm>
-            <a:off x="351647" y="5574859"/>
-            <a:ext cx="937390" cy="325463"/>
-          </a:xfrm>
-          <a:prstGeom prst="rect">
-            <a:avLst/>
-          </a:prstGeom>
-          <a:noFill/>
-          <a:ln w="28575"/>
-        </p:spPr>
-        <p:style>
-          <a:lnRef idx="2">
-            <a:schemeClr val="accent2"/>
-          </a:lnRef>
-          <a:fillRef idx="1">
-            <a:schemeClr val="lt1"/>
-          </a:fillRef>
-          <a:effectRef idx="0">
-            <a:schemeClr val="accent2"/>
-          </a:effectRef>
-          <a:fontRef idx="minor">
-            <a:schemeClr val="dk1"/>
-          </a:fontRef>
-        </p:style>
-        <p:txBody>
-          <a:bodyPr rtlCol="0" anchor="ctr"/>
-          <a:lstStyle/>
-          <a:p>
-            <a:pPr algn="ctr"/>
-            <a:endParaRPr kumimoji="1" lang="ja-JP" altLang="en-US"/>
+              <a:rPr kumimoji="1" lang="ja-JP" altLang="en-US" sz="1800" dirty="0" smtClean="0"/>
+              <a:t>コマンドプロンプトで下記コマンド</a:t>
+            </a:r>
+            <a:r>
+              <a:rPr kumimoji="1" lang="ja-JP" altLang="en-US" sz="1800" dirty="0" smtClean="0"/>
+              <a:t>を実行し</a:t>
+            </a:r>
+            <a:r>
+              <a:rPr kumimoji="1" lang="ja-JP" altLang="en-US" sz="1800" dirty="0" smtClean="0"/>
+              <a:t>、</a:t>
+            </a:r>
+            <a:r>
+              <a:rPr kumimoji="1" lang="ja-JP" altLang="en-US" sz="1800" dirty="0" smtClean="0"/>
+              <a:t>インストールが成功したかを確認します。</a:t>
+            </a:r>
+            <a:endParaRPr kumimoji="1" lang="en-US" altLang="ja-JP" sz="1800" dirty="0" smtClean="0"/>
           </a:p>
         </p:txBody>
       </p:sp>
@@ -3766,9 +3744,15 @@
               <a:buClr>
                 <a:schemeClr val="bg1"/>
               </a:buClr>
-              <a:buFont typeface="Wingdings" panose="05000000000000000000" pitchFamily="2" charset="2"/>
-              <a:buChar char="ü"/>
             </a:pPr>
+            <a:r>
+              <a:rPr lang="en-US" altLang="ja-JP" dirty="0" smtClean="0">
+                <a:solidFill>
+                  <a:schemeClr val="bg1"/>
+                </a:solidFill>
+              </a:rPr>
+              <a:t>$ </a:t>
+            </a:r>
             <a:r>
               <a:rPr lang="en-US" altLang="ja-JP" dirty="0" smtClean="0">
                 <a:solidFill>
@@ -3793,10 +3777,146 @@
           </a:p>
         </p:txBody>
       </p:sp>
+      <p:pic>
+        <p:nvPicPr>
+          <p:cNvPr id="8" name="図 7" descr="無題.png"/>
+          <p:cNvPicPr>
+            <a:picLocks noChangeAspect="1"/>
+          </p:cNvPicPr>
+          <p:nvPr/>
+        </p:nvPicPr>
+        <p:blipFill>
+          <a:blip r:embed="rId2" cstate="print"/>
+          <a:stretch>
+            <a:fillRect/>
+          </a:stretch>
+        </p:blipFill>
+        <p:spPr>
+          <a:xfrm>
+            <a:off x="395424" y="2787663"/>
+            <a:ext cx="5245721" cy="3819999"/>
+          </a:xfrm>
+          <a:prstGeom prst="rect">
+            <a:avLst/>
+          </a:prstGeom>
+        </p:spPr>
+      </p:pic>
+      <p:sp>
+        <p:nvSpPr>
+          <p:cNvPr id="11" name="線吹き出し 2 (枠付き) 10"/>
+          <p:cNvSpPr/>
+          <p:nvPr/>
+        </p:nvSpPr>
+        <p:spPr>
+          <a:xfrm>
+            <a:off x="5813915" y="3126040"/>
+            <a:ext cx="3864657" cy="1178673"/>
+          </a:xfrm>
+          <a:prstGeom prst="borderCallout2">
+            <a:avLst>
+              <a:gd name="adj1" fmla="val 17750"/>
+              <a:gd name="adj2" fmla="val 413"/>
+              <a:gd name="adj3" fmla="val 2403"/>
+              <a:gd name="adj4" fmla="val -57284"/>
+              <a:gd name="adj5" fmla="val 23248"/>
+              <a:gd name="adj6" fmla="val -115137"/>
+            </a:avLst>
+          </a:prstGeom>
+          <a:solidFill>
+            <a:schemeClr val="bg1"/>
+          </a:solidFill>
+          <a:ln w="28575">
+            <a:solidFill>
+              <a:srgbClr val="3399FF"/>
+            </a:solidFill>
+          </a:ln>
+        </p:spPr>
+        <p:style>
+          <a:lnRef idx="2">
+            <a:schemeClr val="accent1">
+              <a:shade val="50000"/>
+            </a:schemeClr>
+          </a:lnRef>
+          <a:fillRef idx="1">
+            <a:schemeClr val="accent1"/>
+          </a:fillRef>
+          <a:effectRef idx="0">
+            <a:schemeClr val="accent1"/>
+          </a:effectRef>
+          <a:fontRef idx="minor">
+            <a:schemeClr val="lt1"/>
+          </a:fontRef>
+        </p:style>
+        <p:txBody>
+          <a:bodyPr rtlCol="0" anchor="ctr"/>
+          <a:lstStyle/>
+          <a:p>
+            <a:r>
+              <a:rPr lang="ja-JP" altLang="en-US" dirty="0" smtClean="0">
+                <a:solidFill>
+                  <a:schemeClr val="tx1"/>
+                </a:solidFill>
+              </a:rPr>
+              <a:t>インストールしたバージョンが表示されれば成功です。</a:t>
+            </a:r>
+            <a:endParaRPr lang="en-US" altLang="ja-JP" dirty="0" smtClean="0">
+              <a:solidFill>
+                <a:schemeClr val="tx1"/>
+              </a:solidFill>
+            </a:endParaRPr>
+          </a:p>
+        </p:txBody>
+      </p:sp>
+      <p:sp>
+        <p:nvSpPr>
+          <p:cNvPr id="12" name="正方形/長方形 11"/>
+          <p:cNvSpPr/>
+          <p:nvPr/>
+        </p:nvSpPr>
+        <p:spPr>
+          <a:xfrm>
+            <a:off x="464235" y="3319975"/>
+            <a:ext cx="717452" cy="211015"/>
+          </a:xfrm>
+          <a:prstGeom prst="rect">
+            <a:avLst/>
+          </a:prstGeom>
+          <a:noFill/>
+          <a:ln w="28575">
+            <a:solidFill>
+              <a:srgbClr val="FF0000"/>
+            </a:solidFill>
+          </a:ln>
+        </p:spPr>
+        <p:style>
+          <a:lnRef idx="2">
+            <a:schemeClr val="accent1">
+              <a:shade val="50000"/>
+            </a:schemeClr>
+          </a:lnRef>
+          <a:fillRef idx="1">
+            <a:schemeClr val="accent1"/>
+          </a:fillRef>
+          <a:effectRef idx="0">
+            <a:schemeClr val="accent1"/>
+          </a:effectRef>
+          <a:fontRef idx="minor">
+            <a:schemeClr val="lt1"/>
+          </a:fontRef>
+        </p:style>
+        <p:txBody>
+          <a:bodyPr rtlCol="0" anchor="ctr"/>
+          <a:lstStyle/>
+          <a:p>
+            <a:pPr algn="ctr"/>
+            <a:endParaRPr kumimoji="1" lang="ja-JP" altLang="en-US"/>
+          </a:p>
+        </p:txBody>
+      </p:sp>
     </p:spTree>
     <p:extLst>
       <p:ext uri="{BB962C8B-B14F-4D97-AF65-F5344CB8AC3E}">
-        <p14:creationId xmlns:p14="http://schemas.microsoft.com/office/powerpoint/2010/main" val="1548807652"/>
+        <p14:creationId xmlns:p14="http://schemas.microsoft.com/office/powerpoint/2010/main" xmlns="" val="1548807652"/>
       </p:ext>
     </p:extLst>
   </p:cSld>
@@ -3840,8 +3960,8 @@
         </p:nvSpPr>
         <p:spPr>
           <a:xfrm>
-            <a:off x="555219" y="1200150"/>
-            <a:ext cx="11164927" cy="871416"/>
+            <a:off x="513015" y="1129812"/>
+            <a:ext cx="11164927" cy="741192"/>
           </a:xfrm>
           <a:prstGeom prst="rect">
             <a:avLst/>
@@ -4026,21 +4146,42 @@
           </a:lstStyle>
           <a:p>
             <a:pPr marL="0" indent="0">
-              <a:buNone/>
+              <a:buFont typeface="Wingdings" pitchFamily="2" charset="2"/>
+              <a:buChar char="l"/>
             </a:pPr>
             <a:r>
-              <a:rPr lang="ja-JP" altLang="en-US" dirty="0" smtClean="0"/>
-              <a:t>コマンドプロンプトにて以下のコマンドを入力し、モジュールをインストール</a:t>
-            </a:r>
-            <a:r>
-              <a:rPr lang="en-US" altLang="ja-JP" dirty="0" smtClean="0"/>
-              <a:t>&amp;</a:t>
-            </a:r>
-            <a:r>
-              <a:rPr lang="ja-JP" altLang="en-US" dirty="0" smtClean="0"/>
-              <a:t>確認する。</a:t>
-            </a:r>
-            <a:endParaRPr lang="en-US" altLang="ja-JP" dirty="0" smtClean="0"/>
+              <a:rPr lang="ja-JP" altLang="en-US" sz="1800" dirty="0" smtClean="0"/>
+              <a:t>コマンドプロンプトにて以下のコマンド</a:t>
+            </a:r>
+            <a:r>
+              <a:rPr lang="ja-JP" altLang="en-US" sz="1800" dirty="0" smtClean="0"/>
+              <a:t>を</a:t>
+            </a:r>
+            <a:r>
+              <a:rPr lang="ja-JP" altLang="en-US" sz="1800" dirty="0" smtClean="0"/>
+              <a:t>実行</a:t>
+            </a:r>
+            <a:r>
+              <a:rPr lang="ja-JP" altLang="en-US" sz="1800" dirty="0" smtClean="0"/>
+              <a:t>し</a:t>
+            </a:r>
+            <a:r>
+              <a:rPr lang="ja-JP" altLang="en-US" sz="1800" dirty="0" smtClean="0"/>
+              <a:t>、</a:t>
+            </a:r>
+            <a:r>
+              <a:rPr lang="ja-JP" altLang="en-US" sz="1800" dirty="0" smtClean="0"/>
+              <a:t>モジュールのインストール</a:t>
+            </a:r>
+            <a:r>
+              <a:rPr lang="ja-JP" altLang="en-US" sz="1800" dirty="0" smtClean="0"/>
+              <a:t>および</a:t>
+            </a:r>
+            <a:r>
+              <a:rPr lang="ja-JP" altLang="en-US" sz="1800" dirty="0" smtClean="0"/>
+              <a:t>確認を行います。</a:t>
+            </a:r>
+            <a:endParaRPr lang="en-US" altLang="ja-JP" sz="1800" dirty="0" smtClean="0"/>
           </a:p>
         </p:txBody>
       </p:sp>
@@ -4052,8 +4193,8 @@
         </p:nvSpPr>
         <p:spPr>
           <a:xfrm>
-            <a:off x="555218" y="2285031"/>
-            <a:ext cx="11164927" cy="914400"/>
+            <a:off x="484880" y="2074017"/>
+            <a:ext cx="11164927" cy="1245960"/>
           </a:xfrm>
           <a:prstGeom prst="rect">
             <a:avLst/>
@@ -4095,10 +4236,16 @@
               <a:buClr>
                 <a:schemeClr val="bg1"/>
               </a:buClr>
-              <a:buFont typeface="Wingdings" panose="05000000000000000000" pitchFamily="2" charset="2"/>
-              <a:buChar char="ü"/>
             </a:pPr>
             <a:r>
+              <a:rPr lang="en-US" altLang="ja-JP" dirty="0" smtClean="0">
+                <a:solidFill>
+                  <a:schemeClr val="bg1"/>
+                </a:solidFill>
+              </a:rPr>
+              <a:t>$ </a:t>
+            </a:r>
+            <a:r>
               <a:rPr lang="en-US" altLang="ja-JP" dirty="0" err="1" smtClean="0">
                 <a:solidFill>
                   <a:schemeClr val="bg1"/>
@@ -4112,64 +4259,30 @@
                   <a:schemeClr val="bg1"/>
                 </a:solidFill>
               </a:rPr>
-              <a:t> install -g create-react-app</a:t>
-            </a:r>
-          </a:p>
-        </p:txBody>
-      </p:sp>
-      <p:sp>
-        <p:nvSpPr>
-          <p:cNvPr id="8" name="正方形/長方形 7"/>
-          <p:cNvSpPr/>
-          <p:nvPr/>
-        </p:nvSpPr>
-        <p:spPr>
-          <a:xfrm>
-            <a:off x="555218" y="3369912"/>
-            <a:ext cx="11164927" cy="914400"/>
-          </a:xfrm>
-          <a:prstGeom prst="rect">
-            <a:avLst/>
-          </a:prstGeom>
-          <a:solidFill>
-            <a:schemeClr val="tx2">
-              <a:lumMod val="75000"/>
-            </a:schemeClr>
-          </a:solidFill>
-          <a:ln>
-            <a:solidFill>
-              <a:schemeClr val="bg2">
-                <a:lumMod val="25000"/>
-              </a:schemeClr>
-            </a:solidFill>
-          </a:ln>
-        </p:spPr>
-        <p:style>
-          <a:lnRef idx="2">
-            <a:schemeClr val="accent1">
-              <a:shade val="50000"/>
-            </a:schemeClr>
-          </a:lnRef>
-          <a:fillRef idx="1">
-            <a:schemeClr val="accent1"/>
-          </a:fillRef>
-          <a:effectRef idx="0">
-            <a:schemeClr val="accent1"/>
-          </a:effectRef>
-          <a:fontRef idx="minor">
-            <a:schemeClr val="lt1"/>
-          </a:fontRef>
-        </p:style>
-        <p:txBody>
-          <a:bodyPr rtlCol="0" anchor="ctr"/>
-          <a:lstStyle/>
+              <a:t> </a:t>
+            </a:r>
+            <a:r>
+              <a:rPr lang="en-US" altLang="ja-JP" dirty="0" smtClean="0">
+                <a:solidFill>
+                  <a:schemeClr val="bg1"/>
+                </a:solidFill>
+              </a:rPr>
+              <a:t>install -g </a:t>
+            </a:r>
+            <a:r>
+              <a:rPr lang="en-US" altLang="ja-JP" dirty="0" smtClean="0">
+                <a:solidFill>
+                  <a:schemeClr val="bg1"/>
+                </a:solidFill>
+              </a:rPr>
+              <a:t>create-react-app</a:t>
+            </a:r>
+          </a:p>
           <a:p>
             <a:pPr marL="285750" indent="-285750">
               <a:buClr>
                 <a:schemeClr val="bg1"/>
               </a:buClr>
-              <a:buFont typeface="Wingdings" panose="05000000000000000000" pitchFamily="2" charset="2"/>
-              <a:buChar char="ü"/>
             </a:pPr>
             <a:r>
               <a:rPr lang="en-US" altLang="ja-JP" dirty="0" smtClean="0">
@@ -4177,10 +4290,10 @@
                   <a:schemeClr val="bg1"/>
                 </a:solidFill>
               </a:rPr>
-              <a:t>create-react-app</a:t>
-            </a:r>
-            <a:r>
-              <a:rPr lang="ja-JP" altLang="en-US" dirty="0">
+              <a:t>$ create-react-app</a:t>
+            </a:r>
+            <a:r>
+              <a:rPr lang="ja-JP" altLang="en-US" dirty="0" smtClean="0">
                 <a:solidFill>
                   <a:schemeClr val="bg1"/>
                 </a:solidFill>
@@ -4195,6 +4308,18 @@
               </a:rPr>
               <a:t>–v</a:t>
             </a:r>
+          </a:p>
+          <a:p>
+            <a:pPr marL="285750" indent="-285750">
+              <a:buClr>
+                <a:schemeClr val="bg1"/>
+              </a:buClr>
+            </a:pPr>
+            <a:endParaRPr lang="en-US" altLang="ja-JP" dirty="0" smtClean="0">
+              <a:solidFill>
+                <a:schemeClr val="bg1"/>
+              </a:solidFill>
+            </a:endParaRPr>
           </a:p>
         </p:txBody>
       </p:sp>
@@ -4206,7 +4331,7 @@
         </p:nvSpPr>
         <p:spPr>
           <a:xfrm>
-            <a:off x="555217" y="4454793"/>
+            <a:off x="484877" y="3667004"/>
             <a:ext cx="11164927" cy="2178481"/>
           </a:xfrm>
           <a:prstGeom prst="rect">
@@ -4252,15 +4377,7 @@
                   <a:schemeClr val="tx1"/>
                 </a:solidFill>
               </a:rPr>
-              <a:t>＜小ネタ＞ </a:t>
-            </a:r>
-            <a:r>
-              <a:rPr lang="en-US" altLang="ja-JP" dirty="0" smtClean="0">
-                <a:solidFill>
-                  <a:schemeClr val="tx1"/>
-                </a:solidFill>
-              </a:rPr>
-              <a:t>- create-react-app</a:t>
+              <a:t>＜小ネタ</a:t>
             </a:r>
             <a:r>
               <a:rPr lang="ja-JP" altLang="en-US" dirty="0" smtClean="0">
@@ -4268,7 +4385,7 @@
                   <a:schemeClr val="tx1"/>
                 </a:solidFill>
               </a:rPr>
-              <a:t>について</a:t>
+              <a:t>＞</a:t>
             </a:r>
             <a:endParaRPr lang="en-US" altLang="ja-JP" dirty="0" smtClean="0">
               <a:solidFill>
@@ -4285,6 +4402,44 @@
               </a:buClr>
             </a:pPr>
             <a:r>
+              <a:rPr lang="ja-JP" altLang="en-US" dirty="0" smtClean="0">
+                <a:solidFill>
+                  <a:schemeClr val="tx1"/>
+                </a:solidFill>
+              </a:rPr>
+              <a:t>●</a:t>
+            </a:r>
+            <a:r>
+              <a:rPr lang="en-US" altLang="ja-JP" dirty="0" smtClean="0">
+                <a:solidFill>
+                  <a:schemeClr val="tx1"/>
+                </a:solidFill>
+              </a:rPr>
+              <a:t>create-react-app</a:t>
+            </a:r>
+            <a:r>
+              <a:rPr lang="ja-JP" altLang="en-US" dirty="0" smtClean="0">
+                <a:solidFill>
+                  <a:schemeClr val="tx1"/>
+                </a:solidFill>
+              </a:rPr>
+              <a:t>について</a:t>
+            </a:r>
+            <a:endParaRPr lang="en-US" altLang="ja-JP" dirty="0" smtClean="0">
+              <a:solidFill>
+                <a:schemeClr val="tx1"/>
+              </a:solidFill>
+            </a:endParaRPr>
+          </a:p>
+          <a:p>
+            <a:pPr>
+              <a:buClr>
+                <a:schemeClr val="accent1">
+                  <a:lumMod val="75000"/>
+                </a:schemeClr>
+              </a:buClr>
+            </a:pPr>
+            <a:r>
               <a:rPr lang="ja-JP" altLang="en-US" dirty="0">
                 <a:solidFill>
                   <a:schemeClr val="tx1"/>
@@ -4330,7 +4485,31 @@
                   <a:schemeClr val="tx1"/>
                 </a:solidFill>
               </a:rPr>
-              <a:t>のプロジェクト作成ツール。すべて必要なモジュールが内包されている。</a:t>
+              <a:t>のプロジェクト作成</a:t>
+            </a:r>
+            <a:r>
+              <a:rPr lang="ja-JP" altLang="en-US" dirty="0" smtClean="0">
+                <a:solidFill>
+                  <a:schemeClr val="tx1"/>
+                </a:solidFill>
+              </a:rPr>
+              <a:t>ツールです。必要なすべてのモジュール</a:t>
+            </a:r>
+            <a:r>
+              <a:rPr lang="ja-JP" altLang="en-US" dirty="0" smtClean="0">
+                <a:solidFill>
+                  <a:schemeClr val="tx1"/>
+                </a:solidFill>
+              </a:rPr>
+              <a:t>が内包されて</a:t>
+            </a:r>
+            <a:r>
+              <a:rPr lang="ja-JP" altLang="en-US" dirty="0" smtClean="0">
+                <a:solidFill>
+                  <a:schemeClr val="tx1"/>
+                </a:solidFill>
+              </a:rPr>
+              <a:t>います。</a:t>
             </a:r>
             <a:endParaRPr lang="en-US" altLang="ja-JP" dirty="0" smtClean="0">
               <a:solidFill>
@@ -4366,23 +4545,7 @@
                   <a:schemeClr val="tx1"/>
                 </a:solidFill>
               </a:rPr>
-              <a:t>＜小ネタ＞</a:t>
-            </a:r>
-            <a:r>
-              <a:rPr lang="ja-JP" altLang="en-US" dirty="0">
-                <a:solidFill>
-                  <a:schemeClr val="tx1"/>
-                </a:solidFill>
-              </a:rPr>
-              <a:t>　</a:t>
-            </a:r>
-            <a:r>
-              <a:rPr lang="en-US" altLang="ja-JP" dirty="0" smtClean="0">
-                <a:solidFill>
-                  <a:schemeClr val="tx1"/>
-                </a:solidFill>
-              </a:rPr>
-              <a:t>- </a:t>
+              <a:t>●</a:t>
             </a:r>
             <a:r>
               <a:rPr lang="ja-JP" altLang="en-US" dirty="0" smtClean="0">
@@ -4390,7 +4553,15 @@
                   <a:schemeClr val="tx1"/>
                 </a:solidFill>
               </a:rPr>
-              <a:t>インストール時の「</a:t>
+              <a:t>インストール</a:t>
+            </a:r>
+            <a:r>
+              <a:rPr lang="ja-JP" altLang="en-US" dirty="0" smtClean="0">
+                <a:solidFill>
+                  <a:schemeClr val="tx1"/>
+                </a:solidFill>
+              </a:rPr>
+              <a:t>時の「</a:t>
             </a:r>
             <a:r>
               <a:rPr lang="en-US" altLang="ja-JP" dirty="0" smtClean="0">
@@ -4422,6 +4593,30 @@
                 </a:schemeClr>
               </a:buClr>
             </a:pPr>
+            <a:r>
+              <a:rPr lang="ja-JP" altLang="en-US" dirty="0" smtClean="0">
+                <a:solidFill>
+                  <a:schemeClr val="tx1"/>
+                </a:solidFill>
+              </a:rPr>
+              <a:t>　　グローバルインストール</a:t>
+            </a:r>
+            <a:r>
+              <a:rPr lang="ja-JP" altLang="en-US" dirty="0" smtClean="0">
+                <a:solidFill>
+                  <a:schemeClr val="tx1"/>
+                </a:solidFill>
+              </a:rPr>
+              <a:t>することで、コマンドプロントでコマンド化することが可能と</a:t>
+            </a:r>
+            <a:r>
+              <a:rPr lang="ja-JP" altLang="en-US" dirty="0" smtClean="0">
+                <a:solidFill>
+                  <a:schemeClr val="tx1"/>
+                </a:solidFill>
+              </a:rPr>
+              <a:t>なります。</a:t>
+            </a:r>
             <a:endParaRPr lang="en-US" altLang="ja-JP" dirty="0" smtClean="0">
               <a:solidFill>
                 <a:schemeClr val="tx1"/>
@@ -4442,6 +4637,30 @@
                   <a:schemeClr val="tx1"/>
                 </a:solidFill>
               </a:rPr>
+              <a:t>　</a:t>
+            </a:r>
+            <a:r>
+              <a:rPr lang="ja-JP" altLang="en-US" dirty="0" smtClean="0">
+                <a:solidFill>
+                  <a:schemeClr val="tx1"/>
+                </a:solidFill>
+              </a:rPr>
+              <a:t>　</a:t>
+            </a:r>
+            <a:r>
+              <a:rPr lang="en-US" altLang="ja-JP" dirty="0" smtClean="0">
+                <a:solidFill>
+                  <a:schemeClr val="tx1"/>
+                </a:solidFill>
+              </a:rPr>
+              <a:t> ※</a:t>
+            </a:r>
+            <a:r>
+              <a:rPr lang="ja-JP" altLang="en-US" dirty="0" smtClean="0">
+                <a:solidFill>
+                  <a:schemeClr val="tx1"/>
+                </a:solidFill>
+              </a:rPr>
               <a:t>「</a:t>
             </a:r>
             <a:r>
@@ -4459,36 +4678,6 @@
                 </a:solidFill>
               </a:rPr>
               <a:t>」　→　グローバルインストール</a:t>
-            </a:r>
-            <a:endParaRPr lang="en-US" altLang="ja-JP" dirty="0" smtClean="0">
-              <a:solidFill>
-                <a:schemeClr val="tx1"/>
-              </a:solidFill>
-            </a:endParaRPr>
-          </a:p>
-          <a:p>
-            <a:pPr>
-              <a:buClr>
-                <a:schemeClr val="accent1">
-                  <a:lumMod val="75000"/>
-                </a:schemeClr>
-              </a:buClr>
-            </a:pPr>
-            <a:r>
-              <a:rPr lang="ja-JP" altLang="en-US" dirty="0">
-                <a:solidFill>
-                  <a:schemeClr val="tx1"/>
-                </a:solidFill>
-              </a:rPr>
-              <a:t>　</a:t>
-            </a:r>
-            <a:r>
-              <a:rPr lang="ja-JP" altLang="en-US" dirty="0" smtClean="0">
-                <a:solidFill>
-                  <a:schemeClr val="tx1"/>
-                </a:solidFill>
-              </a:rPr>
-              <a:t>グローバルインストールすることで、コマンドプロントでコマンド化することが可能となる。</a:t>
             </a:r>
             <a:endParaRPr lang="en-US" altLang="ja-JP" dirty="0" smtClean="0">
               <a:solidFill>
@@ -4520,11 +4709,7 @@
           <a:p>
             <a:r>
               <a:rPr lang="en-US" altLang="ja-JP" dirty="0" smtClean="0"/>
-              <a:t>2-5</a:t>
-            </a:r>
-            <a:r>
-              <a:rPr lang="en-US" altLang="ja-JP" dirty="0" smtClean="0"/>
-              <a:t>. React</a:t>
+              <a:t>2-5. React</a:t>
             </a:r>
             <a:r>
               <a:rPr lang="ja-JP" altLang="en-US" dirty="0"/>
@@ -4553,7 +4738,7 @@
     </p:spTree>
     <p:extLst>
       <p:ext uri="{BB962C8B-B14F-4D97-AF65-F5344CB8AC3E}">
-        <p14:creationId xmlns:p14="http://schemas.microsoft.com/office/powerpoint/2010/main" val="610597189"/>
+        <p14:creationId xmlns:p14="http://schemas.microsoft.com/office/powerpoint/2010/main" xmlns="" val="610597189"/>
       </p:ext>
     </p:extLst>
   </p:cSld>
@@ -4598,7 +4783,7 @@
         <p:spPr>
           <a:xfrm>
             <a:off x="555219" y="1200150"/>
-            <a:ext cx="11164927" cy="871416"/>
+            <a:ext cx="11164927" cy="713056"/>
           </a:xfrm>
           <a:prstGeom prst="rect">
             <a:avLst/>
@@ -4783,21 +4968,34 @@
           </a:lstStyle>
           <a:p>
             <a:pPr marL="0" indent="0">
-              <a:buNone/>
+              <a:buFont typeface="Wingdings" pitchFamily="2" charset="2"/>
+              <a:buChar char="l"/>
             </a:pPr>
             <a:r>
-              <a:rPr lang="ja-JP" altLang="en-US" dirty="0" smtClean="0"/>
-              <a:t>コマンドプロンプトにて以下のコマンドを入力し、</a:t>
-            </a:r>
-            <a:r>
-              <a:rPr lang="en-US" altLang="ja-JP" dirty="0" smtClean="0"/>
+              <a:rPr lang="ja-JP" altLang="en-US" sz="1800" dirty="0" smtClean="0"/>
+              <a:t>コマンドプロンプトにて以下のコマンド</a:t>
+            </a:r>
+            <a:r>
+              <a:rPr lang="ja-JP" altLang="en-US" sz="1800" dirty="0" smtClean="0"/>
+              <a:t>を実行し</a:t>
+            </a:r>
+            <a:r>
+              <a:rPr lang="ja-JP" altLang="en-US" sz="1800" dirty="0" smtClean="0"/>
+              <a:t>、</a:t>
+            </a:r>
+            <a:r>
+              <a:rPr lang="en-US" altLang="ja-JP" sz="1800" dirty="0" smtClean="0"/>
               <a:t>react</a:t>
             </a:r>
             <a:r>
-              <a:rPr lang="ja-JP" altLang="en-US" dirty="0" smtClean="0"/>
-              <a:t>プロジェクトを作成する。</a:t>
-            </a:r>
-            <a:endParaRPr lang="en-US" altLang="ja-JP" dirty="0" smtClean="0"/>
+              <a:rPr lang="ja-JP" altLang="en-US" sz="1800" dirty="0" smtClean="0"/>
+              <a:t>プロジェクトを</a:t>
+            </a:r>
+            <a:r>
+              <a:rPr lang="ja-JP" altLang="en-US" sz="1800" dirty="0" smtClean="0"/>
+              <a:t>作成します。</a:t>
+            </a:r>
+            <a:endParaRPr lang="en-US" altLang="ja-JP" sz="1800" dirty="0" smtClean="0"/>
           </a:p>
         </p:txBody>
       </p:sp>
@@ -4809,8 +5007,8 @@
         </p:nvSpPr>
         <p:spPr>
           <a:xfrm>
-            <a:off x="555218" y="2285031"/>
-            <a:ext cx="11164927" cy="1140094"/>
+            <a:off x="555218" y="2172487"/>
+            <a:ext cx="11164927" cy="1583584"/>
           </a:xfrm>
           <a:prstGeom prst="rect">
             <a:avLst/>
@@ -4852,8 +5050,6 @@
               <a:buClr>
                 <a:schemeClr val="bg1"/>
               </a:buClr>
-              <a:buFont typeface="Wingdings" panose="05000000000000000000" pitchFamily="2" charset="2"/>
-              <a:buChar char="ü"/>
             </a:pPr>
             <a:r>
               <a:rPr lang="en-US" altLang="ja-JP" dirty="0" smtClean="0">
@@ -4861,7 +5057,23 @@
                   <a:schemeClr val="bg1"/>
                 </a:solidFill>
               </a:rPr>
-              <a:t>create-react-app </a:t>
+              <a:t>$ </a:t>
+            </a:r>
+            <a:r>
+              <a:rPr lang="en-US" altLang="ja-JP" dirty="0" err="1" smtClean="0">
+                <a:solidFill>
+                  <a:schemeClr val="bg1"/>
+                </a:solidFill>
+              </a:rPr>
+              <a:t>cd</a:t>
+            </a:r>
+            <a:r>
+              <a:rPr lang="en-US" altLang="ja-JP" dirty="0" smtClean="0">
+                <a:solidFill>
+                  <a:schemeClr val="bg1"/>
+                </a:solidFill>
+              </a:rPr>
+              <a:t> [</a:t>
             </a:r>
             <a:r>
               <a:rPr lang="ja-JP" altLang="en-US" dirty="0" smtClean="0">
@@ -4869,7 +5081,46 @@
                   <a:schemeClr val="bg1"/>
                 </a:solidFill>
               </a:rPr>
-              <a:t>プロジェクト名</a:t>
+              <a:t>任意のディレクトリ</a:t>
+            </a:r>
+            <a:r>
+              <a:rPr lang="en-US" altLang="ja-JP" dirty="0" smtClean="0">
+                <a:solidFill>
+                  <a:schemeClr val="bg1"/>
+                </a:solidFill>
+              </a:rPr>
+              <a:t>]</a:t>
+            </a:r>
+          </a:p>
+          <a:p>
+            <a:pPr marL="285750" indent="-285750">
+              <a:buClr>
+                <a:schemeClr val="bg1"/>
+              </a:buClr>
+            </a:pPr>
+            <a:r>
+              <a:rPr lang="en-US" altLang="ja-JP" dirty="0" smtClean="0">
+                <a:solidFill>
+                  <a:schemeClr val="bg1"/>
+                </a:solidFill>
+              </a:rPr>
+              <a:t>$ create-react-app [</a:t>
+            </a:r>
+            <a:r>
+              <a:rPr lang="ja-JP" altLang="en-US" dirty="0" smtClean="0">
+                <a:solidFill>
+                  <a:schemeClr val="bg1"/>
+                </a:solidFill>
+              </a:rPr>
+              <a:t>任意のプロジェクト名</a:t>
+            </a:r>
+            <a:r>
+              <a:rPr lang="en-US" altLang="ja-JP" dirty="0" smtClean="0">
+                <a:solidFill>
+                  <a:schemeClr val="bg1"/>
+                </a:solidFill>
+              </a:rPr>
+              <a:t>]</a:t>
             </a:r>
             <a:endParaRPr lang="en-US" altLang="ja-JP" dirty="0" smtClean="0">
               <a:solidFill>
@@ -4882,8 +5133,6 @@
               <a:buClr>
                 <a:schemeClr val="bg1"/>
               </a:buClr>
-              <a:buFont typeface="Wingdings" panose="05000000000000000000" pitchFamily="2" charset="2"/>
-              <a:buChar char="ü"/>
             </a:pPr>
             <a:r>
               <a:rPr lang="en-US" altLang="ja-JP" dirty="0" smtClean="0">
@@ -4891,7 +5140,23 @@
                   <a:schemeClr val="bg1"/>
                 </a:solidFill>
               </a:rPr>
-              <a:t>cd </a:t>
+              <a:t>$ </a:t>
+            </a:r>
+            <a:r>
+              <a:rPr lang="en-US" altLang="ja-JP" dirty="0" err="1" smtClean="0">
+                <a:solidFill>
+                  <a:schemeClr val="bg1"/>
+                </a:solidFill>
+              </a:rPr>
+              <a:t>cd</a:t>
+            </a:r>
+            <a:r>
+              <a:rPr lang="en-US" altLang="ja-JP" dirty="0" smtClean="0">
+                <a:solidFill>
+                  <a:schemeClr val="bg1"/>
+                </a:solidFill>
+              </a:rPr>
+              <a:t> [</a:t>
             </a:r>
             <a:r>
               <a:rPr lang="ja-JP" altLang="en-US" dirty="0" smtClean="0">
@@ -4899,15 +5164,15 @@
                   <a:schemeClr val="bg1"/>
                 </a:solidFill>
               </a:rPr>
-              <a:t>プロジェクト</a:t>
-            </a:r>
-            <a:r>
-              <a:rPr lang="ja-JP" altLang="en-US" dirty="0">
+              <a:t>任意のプロジェクト名</a:t>
+            </a:r>
+            <a:r>
+              <a:rPr lang="en-US" altLang="ja-JP" dirty="0" smtClean="0">
                 <a:solidFill>
                   <a:schemeClr val="bg1"/>
                 </a:solidFill>
               </a:rPr>
-              <a:t>名</a:t>
+              <a:t>]</a:t>
             </a:r>
             <a:endParaRPr lang="en-US" altLang="ja-JP" dirty="0" smtClean="0">
               <a:solidFill>
@@ -4920,16 +5185,14 @@
               <a:buClr>
                 <a:schemeClr val="bg1"/>
               </a:buClr>
-              <a:buFont typeface="Wingdings" panose="05000000000000000000" pitchFamily="2" charset="2"/>
-              <a:buChar char="ü"/>
             </a:pPr>
             <a:r>
-              <a:rPr lang="en-US" altLang="ja-JP" dirty="0" err="1">
+              <a:rPr lang="en-US" altLang="ja-JP" dirty="0" smtClean="0">
                 <a:solidFill>
                   <a:schemeClr val="bg1"/>
                 </a:solidFill>
               </a:rPr>
-              <a:t>n</a:t>
+              <a:t>$ </a:t>
             </a:r>
             <a:r>
               <a:rPr lang="en-US" altLang="ja-JP" dirty="0" err="1" smtClean="0">
@@ -4937,7 +5200,7 @@
                   <a:schemeClr val="bg1"/>
                 </a:solidFill>
               </a:rPr>
-              <a:t>pm</a:t>
+              <a:t>npm</a:t>
             </a:r>
             <a:r>
               <a:rPr lang="en-US" altLang="ja-JP" dirty="0" smtClean="0">
@@ -4945,7 +5208,15 @@
                   <a:schemeClr val="bg1"/>
                 </a:solidFill>
               </a:rPr>
-              <a:t> run eject</a:t>
+              <a:t> </a:t>
+            </a:r>
+            <a:r>
+              <a:rPr lang="en-US" altLang="ja-JP" dirty="0" smtClean="0">
+                <a:solidFill>
+                  <a:schemeClr val="bg1"/>
+                </a:solidFill>
+              </a:rPr>
+              <a:t>run eject</a:t>
             </a:r>
           </a:p>
         </p:txBody>
@@ -4958,8 +5229,8 @@
         </p:nvSpPr>
         <p:spPr>
           <a:xfrm>
-            <a:off x="555217" y="3881356"/>
-            <a:ext cx="11164927" cy="2519444"/>
+            <a:off x="555217" y="3951696"/>
+            <a:ext cx="11164927" cy="2561646"/>
           </a:xfrm>
           <a:prstGeom prst="rect">
             <a:avLst/>
@@ -5004,39 +5275,7 @@
                   <a:schemeClr val="tx1"/>
                 </a:solidFill>
               </a:rPr>
-              <a:t>＜小ネタ＞</a:t>
-            </a:r>
-            <a:r>
-              <a:rPr lang="ja-JP" altLang="en-US" dirty="0">
-                <a:solidFill>
-                  <a:schemeClr val="tx1"/>
-                </a:solidFill>
-              </a:rPr>
-              <a:t>　</a:t>
-            </a:r>
-            <a:r>
-              <a:rPr lang="en-US" altLang="ja-JP" dirty="0" smtClean="0">
-                <a:solidFill>
-                  <a:schemeClr val="tx1"/>
-                </a:solidFill>
-              </a:rPr>
-              <a:t>-</a:t>
-            </a:r>
-            <a:r>
-              <a:rPr lang="en-US" altLang="ja-JP" dirty="0" err="1" smtClean="0">
-                <a:solidFill>
-                  <a:schemeClr val="tx1"/>
-                </a:solidFill>
-              </a:rPr>
-              <a:t>npm</a:t>
-            </a:r>
-            <a:r>
-              <a:rPr lang="en-US" altLang="ja-JP" dirty="0" smtClean="0">
-                <a:solidFill>
-                  <a:schemeClr val="tx1"/>
-                </a:solidFill>
-              </a:rPr>
-              <a:t> run eject</a:t>
+              <a:t>＜小ネタ</a:t>
             </a:r>
             <a:r>
               <a:rPr lang="ja-JP" altLang="en-US" dirty="0" smtClean="0">
@@ -5044,7 +5283,7 @@
                   <a:schemeClr val="tx1"/>
                 </a:solidFill>
               </a:rPr>
-              <a:t>の必要性</a:t>
+              <a:t>＞</a:t>
             </a:r>
             <a:endParaRPr lang="en-US" altLang="ja-JP" dirty="0" smtClean="0">
               <a:solidFill>
@@ -5061,11 +5300,65 @@
               </a:buClr>
             </a:pPr>
             <a:r>
+              <a:rPr lang="ja-JP" altLang="en-US" dirty="0" smtClean="0">
+                <a:solidFill>
+                  <a:schemeClr val="tx1"/>
+                </a:solidFill>
+              </a:rPr>
+              <a:t>●</a:t>
+            </a:r>
+            <a:r>
               <a:rPr lang="en-US" altLang="ja-JP" dirty="0" smtClean="0">
                 <a:solidFill>
                   <a:schemeClr val="tx1"/>
                 </a:solidFill>
               </a:rPr>
+              <a:t>-</a:t>
+            </a:r>
+            <a:r>
+              <a:rPr lang="en-US" altLang="ja-JP" dirty="0" err="1" smtClean="0">
+                <a:solidFill>
+                  <a:schemeClr val="tx1"/>
+                </a:solidFill>
+              </a:rPr>
+              <a:t>npm</a:t>
+            </a:r>
+            <a:r>
+              <a:rPr lang="en-US" altLang="ja-JP" dirty="0" smtClean="0">
+                <a:solidFill>
+                  <a:schemeClr val="tx1"/>
+                </a:solidFill>
+              </a:rPr>
+              <a:t> run eject</a:t>
+            </a:r>
+            <a:r>
+              <a:rPr lang="ja-JP" altLang="en-US" dirty="0" smtClean="0">
+                <a:solidFill>
+                  <a:schemeClr val="tx1"/>
+                </a:solidFill>
+              </a:rPr>
+              <a:t>の必要性</a:t>
+            </a:r>
+            <a:endParaRPr lang="en-US" altLang="ja-JP" dirty="0" smtClean="0">
+              <a:solidFill>
+                <a:schemeClr val="tx1"/>
+              </a:solidFill>
+            </a:endParaRPr>
+          </a:p>
+          <a:p>
+            <a:pPr>
+              <a:buClr>
+                <a:schemeClr val="accent1">
+                  <a:lumMod val="75000"/>
+                </a:schemeClr>
+              </a:buClr>
+            </a:pPr>
+            <a:r>
+              <a:rPr lang="en-US" altLang="ja-JP" dirty="0" smtClean="0">
+                <a:solidFill>
+                  <a:schemeClr val="tx1"/>
+                </a:solidFill>
+              </a:rPr>
               <a:t>create-react-app</a:t>
             </a:r>
             <a:r>
@@ -5082,7 +5375,47 @@
                   <a:schemeClr val="tx1"/>
                 </a:solidFill>
               </a:rPr>
-              <a:t>単に環境を構築できるが、デフォルトの設定を簡単にカスタマイズできないようになっている。</a:t>
+              <a:t>単に環境を</a:t>
+            </a:r>
+            <a:r>
+              <a:rPr lang="ja-JP" altLang="en-US" dirty="0" smtClean="0">
+                <a:solidFill>
+                  <a:schemeClr val="tx1"/>
+                </a:solidFill>
+              </a:rPr>
+              <a:t>構築</a:t>
+            </a:r>
+            <a:r>
+              <a:rPr lang="ja-JP" altLang="en-US" dirty="0" smtClean="0">
+                <a:solidFill>
+                  <a:schemeClr val="tx1"/>
+                </a:solidFill>
+              </a:rPr>
+              <a:t>できますが、</a:t>
+            </a:r>
+            <a:r>
+              <a:rPr lang="ja-JP" altLang="en-US" dirty="0" smtClean="0">
+                <a:solidFill>
+                  <a:schemeClr val="tx1"/>
+                </a:solidFill>
+              </a:rPr>
+              <a:t>デフォルト</a:t>
+            </a:r>
+            <a:r>
+              <a:rPr lang="ja-JP" altLang="en-US" dirty="0" smtClean="0">
+                <a:solidFill>
+                  <a:schemeClr val="tx1"/>
+                </a:solidFill>
+              </a:rPr>
+              <a:t>の設定を簡単にカスタマイズできないようになって</a:t>
+            </a:r>
+            <a:r>
+              <a:rPr lang="ja-JP" altLang="en-US" dirty="0" smtClean="0">
+                <a:solidFill>
+                  <a:schemeClr val="tx1"/>
+                </a:solidFill>
+              </a:rPr>
+              <a:t>います。</a:t>
             </a:r>
             <a:endParaRPr lang="en-US" altLang="ja-JP" dirty="0" smtClean="0">
               <a:solidFill>
@@ -5126,7 +5459,23 @@
                   <a:schemeClr val="tx1"/>
                 </a:solidFill>
               </a:rPr>
-              <a:t>で作成したプロジェクトの</a:t>
+              <a:t>で作成した</a:t>
+            </a:r>
+            <a:r>
+              <a:rPr lang="ja-JP" altLang="en-US" dirty="0" smtClean="0">
+                <a:solidFill>
+                  <a:schemeClr val="tx1"/>
+                </a:solidFill>
+              </a:rPr>
+              <a:t>プロジェクト</a:t>
+            </a:r>
+            <a:r>
+              <a:rPr lang="ja-JP" altLang="en-US" dirty="0" smtClean="0">
+                <a:solidFill>
+                  <a:schemeClr val="tx1"/>
+                </a:solidFill>
+              </a:rPr>
+              <a:t>「</a:t>
             </a:r>
             <a:r>
               <a:rPr lang="en-US" altLang="ja-JP" dirty="0" err="1" smtClean="0">
@@ -5142,7 +5491,23 @@
                   <a:schemeClr val="tx1"/>
                 </a:solidFill>
               </a:rPr>
-              <a:t>には、</a:t>
+              <a:t>」</a:t>
+            </a:r>
+            <a:r>
+              <a:rPr lang="ja-JP" altLang="en-US" dirty="0" smtClean="0">
+                <a:solidFill>
+                  <a:schemeClr val="tx1"/>
+                </a:solidFill>
+              </a:rPr>
+              <a:t>には</a:t>
+            </a:r>
+            <a:r>
+              <a:rPr lang="ja-JP" altLang="en-US" dirty="0" smtClean="0">
+                <a:solidFill>
+                  <a:schemeClr val="tx1"/>
+                </a:solidFill>
+              </a:rPr>
+              <a:t>、</a:t>
             </a:r>
             <a:r>
               <a:rPr lang="en-US" altLang="ja-JP" dirty="0" smtClean="0">
@@ -5158,29 +5523,47 @@
                   <a:schemeClr val="tx1"/>
                 </a:solidFill>
               </a:rPr>
-              <a:t>で必要なモジュールが足りない。</a:t>
-            </a:r>
-            <a:endParaRPr lang="en-US" altLang="ja-JP" dirty="0" smtClean="0">
-              <a:solidFill>
-                <a:schemeClr val="tx1"/>
-              </a:solidFill>
-            </a:endParaRPr>
-          </a:p>
-          <a:p>
-            <a:pPr>
-              <a:buClr>
-                <a:schemeClr val="accent1">
-                  <a:lumMod val="75000"/>
-                </a:schemeClr>
-              </a:buClr>
-            </a:pPr>
+              <a:t>で必要なモジュール</a:t>
+            </a:r>
             <a:r>
               <a:rPr lang="ja-JP" altLang="en-US" dirty="0" smtClean="0">
                 <a:solidFill>
                   <a:schemeClr val="tx1"/>
                 </a:solidFill>
               </a:rPr>
-              <a:t>そのため、追加でモジュールをインストールした場合、</a:t>
+              <a:t>が</a:t>
+            </a:r>
+            <a:r>
+              <a:rPr lang="ja-JP" altLang="en-US" dirty="0" smtClean="0">
+                <a:solidFill>
+                  <a:schemeClr val="tx1"/>
+                </a:solidFill>
+              </a:rPr>
+              <a:t>不足</a:t>
+            </a:r>
+            <a:r>
+              <a:rPr lang="ja-JP" altLang="en-US" dirty="0" smtClean="0">
+                <a:solidFill>
+                  <a:schemeClr val="tx1"/>
+                </a:solidFill>
+              </a:rPr>
+              <a:t>しています</a:t>
+            </a:r>
+            <a:r>
+              <a:rPr lang="ja-JP" altLang="en-US" dirty="0" smtClean="0">
+                <a:solidFill>
+                  <a:schemeClr val="tx1"/>
+                </a:solidFill>
+              </a:rPr>
+              <a:t>。その</a:t>
+            </a:r>
+            <a:r>
+              <a:rPr lang="ja-JP" altLang="en-US" dirty="0" smtClean="0">
+                <a:solidFill>
+                  <a:schemeClr val="tx1"/>
+                </a:solidFill>
+              </a:rPr>
+              <a:t>ため、追加でモジュールをインストールした場合、</a:t>
             </a:r>
             <a:r>
               <a:rPr lang="en-US" altLang="ja-JP" dirty="0" smtClean="0">
@@ -5196,7 +5579,15 @@
                   <a:schemeClr val="tx1"/>
                 </a:solidFill>
               </a:rPr>
-              <a:t>で必要なモジュールが消えて、</a:t>
+              <a:t>で必要なモジュールが</a:t>
+            </a:r>
+            <a:r>
+              <a:rPr lang="ja-JP" altLang="en-US" dirty="0" smtClean="0">
+                <a:solidFill>
+                  <a:schemeClr val="tx1"/>
+                </a:solidFill>
+              </a:rPr>
+              <a:t>消え、</a:t>
             </a:r>
             <a:r>
               <a:rPr lang="en-US" altLang="ja-JP" dirty="0" smtClean="0">
@@ -5212,7 +5603,15 @@
                   <a:schemeClr val="tx1"/>
                 </a:solidFill>
               </a:rPr>
-              <a:t>エラーとなる。</a:t>
+              <a:t>エラーと</a:t>
+            </a:r>
+            <a:r>
+              <a:rPr lang="ja-JP" altLang="en-US" dirty="0" smtClean="0">
+                <a:solidFill>
+                  <a:schemeClr val="tx1"/>
+                </a:solidFill>
+              </a:rPr>
+              <a:t>なります。</a:t>
             </a:r>
             <a:endParaRPr lang="en-US" altLang="ja-JP" dirty="0" smtClean="0">
               <a:solidFill>
@@ -5288,7 +5687,15 @@
                   <a:schemeClr val="tx1"/>
                 </a:solidFill>
               </a:rPr>
-              <a:t>で使用したライブラリが全て</a:t>
+              <a:t>で使用したライブラリが</a:t>
+            </a:r>
+            <a:r>
+              <a:rPr lang="ja-JP" altLang="en-US" dirty="0" smtClean="0">
+                <a:solidFill>
+                  <a:schemeClr val="tx1"/>
+                </a:solidFill>
+              </a:rPr>
+              <a:t>全て「</a:t>
             </a:r>
             <a:r>
               <a:rPr lang="en-US" altLang="ja-JP" dirty="0" err="1" smtClean="0">
@@ -5304,7 +5711,23 @@
                   <a:schemeClr val="tx1"/>
                 </a:solidFill>
               </a:rPr>
-              <a:t>に追加される。</a:t>
+              <a:t>」に</a:t>
+            </a:r>
+            <a:r>
+              <a:rPr lang="ja-JP" altLang="en-US" dirty="0" smtClean="0">
+                <a:solidFill>
+                  <a:schemeClr val="tx1"/>
+                </a:solidFill>
+              </a:rPr>
+              <a:t>追加</a:t>
+            </a:r>
+            <a:r>
+              <a:rPr lang="ja-JP" altLang="en-US" dirty="0" smtClean="0">
+                <a:solidFill>
+                  <a:schemeClr val="tx1"/>
+                </a:solidFill>
+              </a:rPr>
+              <a:t>されます。</a:t>
             </a:r>
             <a:endParaRPr lang="en-US" altLang="ja-JP" dirty="0" smtClean="0">
               <a:solidFill>
@@ -5331,11 +5754,7 @@
           <a:p>
             <a:r>
               <a:rPr lang="en-US" altLang="ja-JP" dirty="0" smtClean="0"/>
-              <a:t>2-5</a:t>
-            </a:r>
-            <a:r>
-              <a:rPr lang="en-US" altLang="ja-JP" dirty="0" smtClean="0"/>
-              <a:t>. React</a:t>
+              <a:t>2-5. React</a:t>
             </a:r>
             <a:r>
               <a:rPr lang="ja-JP" altLang="en-US" dirty="0"/>
@@ -5360,7 +5779,7 @@
     </p:spTree>
     <p:extLst>
       <p:ext uri="{BB962C8B-B14F-4D97-AF65-F5344CB8AC3E}">
-        <p14:creationId xmlns:p14="http://schemas.microsoft.com/office/powerpoint/2010/main" val="3167297944"/>
+        <p14:creationId xmlns:p14="http://schemas.microsoft.com/office/powerpoint/2010/main" xmlns="" val="3167297944"/>
       </p:ext>
     </p:extLst>
   </p:cSld>
@@ -5411,11 +5830,7 @@
           <a:p>
             <a:r>
               <a:rPr lang="en-US" altLang="ja-JP" dirty="0" smtClean="0"/>
-              <a:t>2-5</a:t>
-            </a:r>
-            <a:r>
-              <a:rPr lang="en-US" altLang="ja-JP" dirty="0" smtClean="0"/>
-              <a:t>. React</a:t>
+              <a:t>2-5. React</a:t>
             </a:r>
             <a:r>
               <a:rPr lang="ja-JP" altLang="en-US" dirty="0"/>
@@ -5447,8 +5862,8 @@
         </p:nvSpPr>
         <p:spPr>
           <a:xfrm>
-            <a:off x="438841" y="1067146"/>
-            <a:ext cx="11356919" cy="2233007"/>
+            <a:off x="424773" y="1207825"/>
+            <a:ext cx="11356919" cy="3645531"/>
           </a:xfrm>
           <a:prstGeom prst="rect">
             <a:avLst/>
@@ -5633,54 +6048,83 @@
           </a:lstStyle>
           <a:p>
             <a:pPr marL="0" indent="0">
-              <a:buNone/>
+              <a:buFont typeface="Wingdings" pitchFamily="2" charset="2"/>
+              <a:buChar char="l"/>
             </a:pPr>
             <a:r>
-              <a:rPr lang="en-US" altLang="ja-JP" dirty="0" smtClean="0"/>
+              <a:rPr lang="en-US" altLang="ja-JP" sz="1800" dirty="0" smtClean="0"/>
               <a:t>React</a:t>
             </a:r>
             <a:r>
-              <a:rPr lang="ja-JP" altLang="en-US" dirty="0" smtClean="0"/>
-              <a:t>のプログラムを書くには、プログラミングに特化したテキストエディターを使いましょう。</a:t>
-            </a:r>
-            <a:endParaRPr lang="en-US" altLang="ja-JP" dirty="0" smtClean="0"/>
+              <a:rPr lang="ja-JP" altLang="en-US" sz="1800" dirty="0" smtClean="0"/>
+              <a:t>のプログラムを書くには、プログラミングに特化した</a:t>
+            </a:r>
+            <a:r>
+              <a:rPr lang="ja-JP" altLang="en-US" sz="1800" dirty="0" smtClean="0"/>
+              <a:t>テキストエディタを使うことをおすすめします。</a:t>
+            </a:r>
+            <a:endParaRPr lang="en-US" altLang="ja-JP" sz="1800" dirty="0" smtClean="0"/>
           </a:p>
           <a:p>
             <a:pPr marL="0" indent="0">
               <a:buNone/>
             </a:pPr>
             <a:r>
-              <a:rPr lang="ja-JP" altLang="en-US" dirty="0" smtClean="0"/>
-              <a:t>以下のテキストエディターがおすすめです。</a:t>
-            </a:r>
-            <a:endParaRPr lang="en-US" altLang="ja-JP" dirty="0" smtClean="0"/>
+              <a:rPr lang="ja-JP" altLang="en-US" sz="1800" dirty="0" smtClean="0"/>
+              <a:t>　以下</a:t>
+            </a:r>
+            <a:r>
+              <a:rPr lang="ja-JP" altLang="en-US" sz="1800" dirty="0" smtClean="0"/>
+              <a:t>の</a:t>
+            </a:r>
+            <a:r>
+              <a:rPr lang="ja-JP" altLang="en-US" sz="1800" dirty="0" smtClean="0"/>
+              <a:t>テキストエディタが</a:t>
+            </a:r>
+            <a:r>
+              <a:rPr lang="ja-JP" altLang="en-US" sz="1800" dirty="0" smtClean="0"/>
+              <a:t>おすすめです</a:t>
+            </a:r>
+            <a:r>
+              <a:rPr lang="ja-JP" altLang="en-US" sz="1800" dirty="0" smtClean="0"/>
+              <a:t>。</a:t>
+            </a:r>
+            <a:endParaRPr lang="en-US" altLang="ja-JP" sz="1800" dirty="0" smtClean="0"/>
           </a:p>
           <a:p>
             <a:pPr marL="0" indent="0">
               <a:buNone/>
             </a:pPr>
             <a:r>
-              <a:rPr lang="en-US" altLang="ja-JP" dirty="0" smtClean="0"/>
+              <a:rPr lang="ja-JP" altLang="en-US" sz="1800" dirty="0" smtClean="0"/>
+              <a:t>　</a:t>
+            </a:r>
+            <a:r>
+              <a:rPr lang="ja-JP" altLang="en-US" sz="1800" dirty="0" smtClean="0"/>
+              <a:t>・</a:t>
+            </a:r>
+            <a:r>
+              <a:rPr lang="en-US" altLang="ja-JP" sz="1800" dirty="0" smtClean="0"/>
               <a:t>Visual </a:t>
             </a:r>
             <a:r>
-              <a:rPr lang="en-US" altLang="ja-JP" dirty="0"/>
+              <a:rPr lang="en-US" altLang="ja-JP" sz="1800" dirty="0"/>
               <a:t>Studio Code(</a:t>
             </a:r>
             <a:r>
-              <a:rPr lang="en-US" altLang="ja-JP" dirty="0">
+              <a:rPr lang="en-US" altLang="ja-JP" sz="1800" dirty="0">
                 <a:hlinkClick r:id="rId2"/>
               </a:rPr>
               <a:t>https://</a:t>
             </a:r>
             <a:r>
-              <a:rPr lang="en-US" altLang="ja-JP" dirty="0" smtClean="0">
+              <a:rPr lang="en-US" altLang="ja-JP" sz="1800" dirty="0" smtClean="0">
                 <a:hlinkClick r:id="rId2"/>
               </a:rPr>
               <a:t>code.visualstudio.com/Download</a:t>
             </a:r>
             <a:r>
-              <a:rPr lang="en-US" altLang="ja-JP" dirty="0" smtClean="0"/>
+              <a:rPr lang="en-US" altLang="ja-JP" sz="1800" dirty="0" smtClean="0"/>
               <a:t>)</a:t>
             </a:r>
           </a:p>
@@ -5689,283 +6133,120 @@
               <a:buNone/>
             </a:pPr>
             <a:r>
-              <a:rPr lang="ja-JP" altLang="en-US" dirty="0" smtClean="0"/>
+              <a:rPr lang="ja-JP" altLang="en-US" sz="1800" dirty="0" smtClean="0"/>
+              <a:t>　</a:t>
+            </a:r>
+            <a:r>
+              <a:rPr lang="ja-JP" altLang="en-US" sz="1800" dirty="0" smtClean="0"/>
               <a:t>　・</a:t>
             </a:r>
             <a:r>
-              <a:rPr lang="en-US" altLang="ja-JP" dirty="0" smtClean="0"/>
+              <a:rPr lang="en-US" altLang="ja-JP" sz="1800" dirty="0" smtClean="0"/>
               <a:t>MicroSoft</a:t>
             </a:r>
             <a:r>
-              <a:rPr lang="ja-JP" altLang="en-US" dirty="0" smtClean="0"/>
-              <a:t>が開発したオープンソースのプログラミング向けエディターで、無料で使用できる。</a:t>
-            </a:r>
-            <a:endParaRPr lang="en-US" altLang="ja-JP" dirty="0" smtClean="0"/>
+              <a:rPr lang="ja-JP" altLang="en-US" sz="1800" dirty="0" smtClean="0"/>
+              <a:t>が開発したオープンソースのプログラミング向けエディターで、無料で使用</a:t>
+            </a:r>
+            <a:r>
+              <a:rPr lang="ja-JP" altLang="en-US" sz="1800" dirty="0" smtClean="0"/>
+              <a:t>できます。</a:t>
+            </a:r>
+            <a:endParaRPr lang="en-US" altLang="ja-JP" sz="1800" dirty="0" smtClean="0"/>
           </a:p>
           <a:p>
             <a:pPr marL="0" indent="0">
               <a:buNone/>
             </a:pPr>
             <a:r>
-              <a:rPr lang="ja-JP" altLang="en-US" dirty="0" smtClean="0"/>
-              <a:t>　・拡張機能（パッケージ）を入れなくても、最初から充実した機能を持っている。</a:t>
-            </a:r>
-            <a:endParaRPr lang="en-US" altLang="ja-JP" dirty="0" smtClean="0"/>
-          </a:p>
-        </p:txBody>
-      </p:sp>
-      <p:sp>
-        <p:nvSpPr>
-          <p:cNvPr id="4" name="コンテンツ プレースホルダー 3"/>
-          <p:cNvSpPr txBox="1">
-            <a:spLocks/>
-          </p:cNvSpPr>
-          <p:nvPr/>
-        </p:nvSpPr>
-        <p:spPr>
-          <a:xfrm>
-            <a:off x="438840" y="3688427"/>
-            <a:ext cx="11356919" cy="1041516"/>
-          </a:xfrm>
-          <a:prstGeom prst="rect">
-            <a:avLst/>
-          </a:prstGeom>
-          <a:solidFill>
-            <a:schemeClr val="accent1">
-              <a:lumMod val="20000"/>
-              <a:lumOff val="80000"/>
-            </a:schemeClr>
-          </a:solidFill>
-          <a:ln>
-            <a:solidFill>
-              <a:schemeClr val="accent1"/>
-            </a:solidFill>
-          </a:ln>
-        </p:spPr>
-        <p:txBody>
-          <a:bodyPr anchor="ctr"/>
-          <a:lstStyle>
-            <a:lvl1pPr marL="228600" indent="-228600" algn="l" defTabSz="914400" rtl="0" eaLnBrk="1" latinLnBrk="0" hangingPunct="1">
-              <a:lnSpc>
-                <a:spcPct val="90000"/>
-              </a:lnSpc>
-              <a:spcBef>
-                <a:spcPts val="1000"/>
-              </a:spcBef>
-              <a:buFont typeface="Arial" panose="020B0604020202020204" pitchFamily="34" charset="0"/>
-              <a:buChar char="•"/>
-              <a:defRPr kumimoji="1" sz="2000" kern="1200">
-                <a:solidFill>
-                  <a:schemeClr val="tx1"/>
-                </a:solidFill>
-                <a:latin typeface="Meiryo UI" panose="020B0604030504040204" pitchFamily="50" charset="-128"/>
-                <a:ea typeface="Meiryo UI" panose="020B0604030504040204" pitchFamily="50" charset="-128"/>
-                <a:cs typeface="+mn-cs"/>
-              </a:defRPr>
-            </a:lvl1pPr>
-            <a:lvl2pPr marL="685800" indent="-228600" algn="l" defTabSz="914400" rtl="0" eaLnBrk="1" latinLnBrk="0" hangingPunct="1">
-              <a:lnSpc>
-                <a:spcPct val="90000"/>
-              </a:lnSpc>
-              <a:spcBef>
-                <a:spcPts val="500"/>
-              </a:spcBef>
-              <a:buFont typeface="Arial" panose="020B0604020202020204" pitchFamily="34" charset="0"/>
-              <a:buChar char="•"/>
-              <a:defRPr kumimoji="1" sz="1800" kern="1200">
-                <a:solidFill>
-                  <a:schemeClr val="tx1"/>
-                </a:solidFill>
-                <a:latin typeface="Meiryo UI" panose="020B0604030504040204" pitchFamily="50" charset="-128"/>
-                <a:ea typeface="Meiryo UI" panose="020B0604030504040204" pitchFamily="50" charset="-128"/>
-                <a:cs typeface="+mn-cs"/>
-              </a:defRPr>
-            </a:lvl2pPr>
-            <a:lvl3pPr marL="1143000" indent="-228600" algn="l" defTabSz="914400" rtl="0" eaLnBrk="1" latinLnBrk="0" hangingPunct="1">
-              <a:lnSpc>
-                <a:spcPct val="90000"/>
-              </a:lnSpc>
-              <a:spcBef>
-                <a:spcPts val="500"/>
-              </a:spcBef>
-              <a:buFont typeface="Arial" panose="020B0604020202020204" pitchFamily="34" charset="0"/>
-              <a:buChar char="•"/>
-              <a:defRPr kumimoji="1" sz="1600" kern="1200">
-                <a:solidFill>
-                  <a:schemeClr val="tx1"/>
-                </a:solidFill>
-                <a:latin typeface="Meiryo UI" panose="020B0604030504040204" pitchFamily="50" charset="-128"/>
-                <a:ea typeface="Meiryo UI" panose="020B0604030504040204" pitchFamily="50" charset="-128"/>
-                <a:cs typeface="+mn-cs"/>
-              </a:defRPr>
-            </a:lvl3pPr>
-            <a:lvl4pPr marL="1600200" indent="-228600" algn="l" defTabSz="914400" rtl="0" eaLnBrk="1" latinLnBrk="0" hangingPunct="1">
-              <a:lnSpc>
-                <a:spcPct val="90000"/>
-              </a:lnSpc>
-              <a:spcBef>
-                <a:spcPts val="500"/>
-              </a:spcBef>
-              <a:buFont typeface="Arial" panose="020B0604020202020204" pitchFamily="34" charset="0"/>
-              <a:buChar char="•"/>
-              <a:defRPr kumimoji="1" sz="1400" kern="1200">
-                <a:solidFill>
-                  <a:schemeClr val="tx1"/>
-                </a:solidFill>
-                <a:latin typeface="Meiryo UI" panose="020B0604030504040204" pitchFamily="50" charset="-128"/>
-                <a:ea typeface="Meiryo UI" panose="020B0604030504040204" pitchFamily="50" charset="-128"/>
-                <a:cs typeface="+mn-cs"/>
-              </a:defRPr>
-            </a:lvl4pPr>
-            <a:lvl5pPr marL="2057400" indent="-228600" algn="l" defTabSz="914400" rtl="0" eaLnBrk="1" latinLnBrk="0" hangingPunct="1">
-              <a:lnSpc>
-                <a:spcPct val="90000"/>
-              </a:lnSpc>
-              <a:spcBef>
-                <a:spcPts val="500"/>
-              </a:spcBef>
-              <a:buFont typeface="Arial" panose="020B0604020202020204" pitchFamily="34" charset="0"/>
-              <a:buChar char="•"/>
-              <a:defRPr kumimoji="1" sz="1200" kern="1200">
-                <a:solidFill>
-                  <a:schemeClr val="tx1"/>
-                </a:solidFill>
-                <a:latin typeface="Meiryo UI" panose="020B0604030504040204" pitchFamily="50" charset="-128"/>
-                <a:ea typeface="Meiryo UI" panose="020B0604030504040204" pitchFamily="50" charset="-128"/>
-                <a:cs typeface="+mn-cs"/>
-              </a:defRPr>
-            </a:lvl5pPr>
-            <a:lvl6pPr marL="2514600" indent="-228600" algn="l" defTabSz="914400" rtl="0" eaLnBrk="1" latinLnBrk="0" hangingPunct="1">
-              <a:lnSpc>
-                <a:spcPct val="90000"/>
-              </a:lnSpc>
-              <a:spcBef>
-                <a:spcPts val="500"/>
-              </a:spcBef>
-              <a:buFont typeface="Arial" panose="020B0604020202020204" pitchFamily="34" charset="0"/>
-              <a:buChar char="•"/>
-              <a:defRPr kumimoji="1" sz="1800" kern="1200">
-                <a:solidFill>
-                  <a:schemeClr val="tx1"/>
-                </a:solidFill>
-                <a:latin typeface="+mn-lt"/>
-                <a:ea typeface="+mn-ea"/>
-                <a:cs typeface="+mn-cs"/>
-              </a:defRPr>
-            </a:lvl6pPr>
-            <a:lvl7pPr marL="2971800" indent="-228600" algn="l" defTabSz="914400" rtl="0" eaLnBrk="1" latinLnBrk="0" hangingPunct="1">
-              <a:lnSpc>
-                <a:spcPct val="90000"/>
-              </a:lnSpc>
-              <a:spcBef>
-                <a:spcPts val="500"/>
-              </a:spcBef>
-              <a:buFont typeface="Arial" panose="020B0604020202020204" pitchFamily="34" charset="0"/>
-              <a:buChar char="•"/>
-              <a:defRPr kumimoji="1" sz="1800" kern="1200">
-                <a:solidFill>
-                  <a:schemeClr val="tx1"/>
-                </a:solidFill>
-                <a:latin typeface="+mn-lt"/>
-                <a:ea typeface="+mn-ea"/>
-                <a:cs typeface="+mn-cs"/>
-              </a:defRPr>
-            </a:lvl7pPr>
-            <a:lvl8pPr marL="3429000" indent="-228600" algn="l" defTabSz="914400" rtl="0" eaLnBrk="1" latinLnBrk="0" hangingPunct="1">
-              <a:lnSpc>
-                <a:spcPct val="90000"/>
-              </a:lnSpc>
-              <a:spcBef>
-                <a:spcPts val="500"/>
-              </a:spcBef>
-              <a:buFont typeface="Arial" panose="020B0604020202020204" pitchFamily="34" charset="0"/>
-              <a:buChar char="•"/>
-              <a:defRPr kumimoji="1" sz="1800" kern="1200">
-                <a:solidFill>
-                  <a:schemeClr val="tx1"/>
-                </a:solidFill>
-                <a:latin typeface="+mn-lt"/>
-                <a:ea typeface="+mn-ea"/>
-                <a:cs typeface="+mn-cs"/>
-              </a:defRPr>
-            </a:lvl8pPr>
-            <a:lvl9pPr marL="3886200" indent="-228600" algn="l" defTabSz="914400" rtl="0" eaLnBrk="1" latinLnBrk="0" hangingPunct="1">
-              <a:lnSpc>
-                <a:spcPct val="90000"/>
-              </a:lnSpc>
-              <a:spcBef>
-                <a:spcPts val="500"/>
-              </a:spcBef>
-              <a:buFont typeface="Arial" panose="020B0604020202020204" pitchFamily="34" charset="0"/>
-              <a:buChar char="•"/>
-              <a:defRPr kumimoji="1" sz="1800" kern="1200">
-                <a:solidFill>
-                  <a:schemeClr val="tx1"/>
-                </a:solidFill>
-                <a:latin typeface="+mn-lt"/>
-                <a:ea typeface="+mn-ea"/>
-                <a:cs typeface="+mn-cs"/>
-              </a:defRPr>
-            </a:lvl9pPr>
-          </a:lstStyle>
+              <a:rPr lang="ja-JP" altLang="en-US" sz="1800" dirty="0" smtClean="0"/>
+              <a:t>　</a:t>
+            </a:r>
+            <a:r>
+              <a:rPr lang="ja-JP" altLang="en-US" sz="1800" dirty="0" smtClean="0"/>
+              <a:t>　・拡張機能（パッケージ）を入れなくても、最初から充実した機能を持って</a:t>
+            </a:r>
+            <a:r>
+              <a:rPr lang="ja-JP" altLang="en-US" sz="1800" dirty="0" smtClean="0"/>
+              <a:t>います。</a:t>
+            </a:r>
+            <a:endParaRPr lang="en-US" altLang="ja-JP" sz="1800" dirty="0" smtClean="0"/>
+          </a:p>
           <a:p>
             <a:pPr marL="0" indent="0">
               <a:buNone/>
             </a:pPr>
-            <a:r>
-              <a:rPr lang="ja-JP" altLang="en-US" dirty="0" smtClean="0"/>
+            <a:endParaRPr lang="en-US" altLang="ja-JP" sz="1800" dirty="0" smtClean="0"/>
+          </a:p>
+          <a:p>
+            <a:pPr marL="0" indent="0">
+              <a:buFont typeface="Wingdings" pitchFamily="2" charset="2"/>
+              <a:buChar char="l"/>
+            </a:pPr>
+            <a:r>
+              <a:rPr lang="ja-JP" altLang="en-US" sz="1800" dirty="0" smtClean="0"/>
               <a:t>ブラウザは、開発用機能が使いやすい</a:t>
             </a:r>
             <a:r>
-              <a:rPr lang="en-US" altLang="ja-JP" dirty="0" smtClean="0"/>
+              <a:rPr lang="en-US" altLang="ja-JP" sz="1800" dirty="0" smtClean="0"/>
               <a:t>Google Chrome</a:t>
             </a:r>
             <a:r>
-              <a:rPr lang="ja-JP" altLang="en-US" dirty="0" smtClean="0"/>
+              <a:rPr lang="ja-JP" altLang="en-US" sz="1800" dirty="0" smtClean="0"/>
               <a:t>を使用しましょう。</a:t>
             </a:r>
-            <a:endParaRPr lang="en-US" altLang="ja-JP" dirty="0" smtClean="0"/>
+            <a:endParaRPr lang="en-US" altLang="ja-JP" sz="1800" dirty="0" smtClean="0"/>
           </a:p>
           <a:p>
             <a:pPr marL="0" indent="0">
               <a:buNone/>
             </a:pPr>
             <a:r>
-              <a:rPr lang="ja-JP" altLang="en-US" dirty="0" smtClean="0"/>
-              <a:t>開発ツールには</a:t>
-            </a:r>
-            <a:r>
-              <a:rPr lang="en-US" altLang="ja-JP" dirty="0" smtClean="0"/>
+              <a:rPr lang="ja-JP" altLang="en-US" sz="1800" dirty="0" smtClean="0"/>
+              <a:t>　開発</a:t>
+            </a:r>
+            <a:r>
+              <a:rPr lang="ja-JP" altLang="en-US" sz="1800" dirty="0" smtClean="0"/>
+              <a:t>ツールには</a:t>
+            </a:r>
+            <a:r>
+              <a:rPr lang="en-US" altLang="ja-JP" sz="1800" dirty="0" smtClean="0"/>
               <a:t>Console</a:t>
             </a:r>
             <a:r>
-              <a:rPr lang="ja-JP" altLang="en-US" dirty="0" err="1" smtClean="0"/>
+              <a:rPr lang="ja-JP" altLang="en-US" sz="1800" dirty="0" err="1" smtClean="0"/>
               <a:t>、</a:t>
             </a:r>
             <a:r>
-              <a:rPr lang="en-US" altLang="ja-JP" dirty="0" smtClean="0"/>
+              <a:rPr lang="en-US" altLang="ja-JP" sz="1800" dirty="0" smtClean="0"/>
               <a:t>Source</a:t>
             </a:r>
             <a:r>
-              <a:rPr lang="ja-JP" altLang="en-US" dirty="0" smtClean="0"/>
+              <a:rPr lang="ja-JP" altLang="en-US" sz="1800" dirty="0" smtClean="0"/>
               <a:t>タブなどがあり、</a:t>
             </a:r>
             <a:r>
-              <a:rPr lang="en-US" altLang="ja-JP" dirty="0" smtClean="0"/>
+              <a:rPr lang="en-US" altLang="ja-JP" sz="1800" dirty="0" smtClean="0"/>
               <a:t>JavaScript</a:t>
             </a:r>
             <a:r>
-              <a:rPr lang="ja-JP" altLang="en-US" dirty="0" smtClean="0"/>
+              <a:rPr lang="ja-JP" altLang="en-US" sz="1800" dirty="0" smtClean="0"/>
               <a:t>のデバッグによく使われます。</a:t>
             </a:r>
-            <a:endParaRPr lang="en-US" altLang="ja-JP" dirty="0" smtClean="0"/>
+            <a:endParaRPr lang="en-US" altLang="ja-JP" sz="1800" dirty="0" smtClean="0"/>
+          </a:p>
+          <a:p>
+            <a:pPr marL="0" indent="0">
+              <a:buNone/>
+            </a:pPr>
+            <a:endParaRPr lang="en-US" altLang="ja-JP" sz="1800" dirty="0" smtClean="0"/>
           </a:p>
         </p:txBody>
       </p:sp>
     </p:spTree>
     <p:extLst>
       <p:ext uri="{BB962C8B-B14F-4D97-AF65-F5344CB8AC3E}">
-        <p14:creationId xmlns:p14="http://schemas.microsoft.com/office/powerpoint/2010/main" val="2583661018"/>
+        <p14:creationId xmlns:p14="http://schemas.microsoft.com/office/powerpoint/2010/main" xmlns="" val="2583661018"/>
       </p:ext>
     </p:extLst>
   </p:cSld>
@@ -6177,7 +6458,7 @@
   <a:extraClrSchemeLst/>
   <a:extLst>
     <a:ext uri="{05A4C25C-085E-4340-85A3-A5531E510DB2}">
-      <thm15:themeFamily xmlns:thm15="http://schemas.microsoft.com/office/thememl/2012/main" name="Office Theme" id="{62F939B6-93AF-4DB8-9C6B-D6C7DFDC589F}" vid="{4A3C46E8-61CC-4603-A589-7422A47A8E4A}"/>
+      <thm15:themeFamily xmlns:thm15="http://schemas.microsoft.com/office/thememl/2012/main" xmlns="" name="Office Theme" id="{62F939B6-93AF-4DB8-9C6B-D6C7DFDC589F}" vid="{4A3C46E8-61CC-4603-A589-7422A47A8E4A}"/>
     </a:ext>
   </a:extLst>
 </a:theme>
@@ -6438,7 +6719,7 @@
   <a:extraClrSchemeLst/>
   <a:extLst>
     <a:ext uri="{05A4C25C-085E-4340-85A3-A5531E510DB2}">
-      <thm15:themeFamily xmlns:thm15="http://schemas.microsoft.com/office/thememl/2012/main" name="Office Theme" id="{62F939B6-93AF-4DB8-9C6B-D6C7DFDC589F}" vid="{4A3C46E8-61CC-4603-A589-7422A47A8E4A}"/>
+      <thm15:themeFamily xmlns:thm15="http://schemas.microsoft.com/office/thememl/2012/main" xmlns="" name="Office Theme" id="{62F939B6-93AF-4DB8-9C6B-D6C7DFDC589F}" vid="{4A3C46E8-61CC-4603-A589-7422A47A8E4A}"/>
     </a:ext>
   </a:extLst>
 </a:theme>
